--- a/doc/cqrs.pptx
+++ b/doc/cqrs.pptx
@@ -5,31 +5,30 @@
     <p:sldMasterId id="2147483708" r:id="rId1"/>
   </p:sldMasterIdLst>
   <p:notesMasterIdLst>
-    <p:notesMasterId r:id="rId19"/>
+    <p:notesMasterId r:id="rId18"/>
   </p:notesMasterIdLst>
   <p:sldIdLst>
     <p:sldId id="256" r:id="rId2"/>
     <p:sldId id="263" r:id="rId3"/>
     <p:sldId id="265" r:id="rId4"/>
-    <p:sldId id="384" r:id="rId5"/>
-    <p:sldId id="403" r:id="rId6"/>
-    <p:sldId id="359" r:id="rId7"/>
-    <p:sldId id="385" r:id="rId8"/>
-    <p:sldId id="358" r:id="rId9"/>
-    <p:sldId id="387" r:id="rId10"/>
-    <p:sldId id="390" r:id="rId11"/>
-    <p:sldId id="388" r:id="rId12"/>
-    <p:sldId id="363" r:id="rId13"/>
-    <p:sldId id="393" r:id="rId14"/>
-    <p:sldId id="395" r:id="rId15"/>
-    <p:sldId id="396" r:id="rId16"/>
-    <p:sldId id="356" r:id="rId17"/>
-    <p:sldId id="402" r:id="rId18"/>
+    <p:sldId id="403" r:id="rId5"/>
+    <p:sldId id="359" r:id="rId6"/>
+    <p:sldId id="385" r:id="rId7"/>
+    <p:sldId id="358" r:id="rId8"/>
+    <p:sldId id="387" r:id="rId9"/>
+    <p:sldId id="390" r:id="rId10"/>
+    <p:sldId id="388" r:id="rId11"/>
+    <p:sldId id="363" r:id="rId12"/>
+    <p:sldId id="393" r:id="rId13"/>
+    <p:sldId id="395" r:id="rId14"/>
+    <p:sldId id="396" r:id="rId15"/>
+    <p:sldId id="356" r:id="rId16"/>
+    <p:sldId id="402" r:id="rId17"/>
   </p:sldIdLst>
   <p:sldSz cx="12192000" cy="6858000"/>
   <p:notesSz cx="6858000" cy="9144000"/>
   <p:custDataLst>
-    <p:tags r:id="rId20"/>
+    <p:tags r:id="rId19"/>
   </p:custDataLst>
   <p:defaultTextStyle>
     <a:defPPr>
@@ -5189,7 +5188,7 @@
     </p:spTree>
     <p:extLst>
       <p:ext uri="{BB962C8B-B14F-4D97-AF65-F5344CB8AC3E}">
-        <p14:creationId xmlns:p14="http://schemas.microsoft.com/office/powerpoint/2010/main" val="1538175"/>
+        <p14:creationId xmlns:p14="http://schemas.microsoft.com/office/powerpoint/2010/main" val="2781664879"/>
       </p:ext>
     </p:extLst>
   </p:cSld>
@@ -5200,6 +5199,90 @@
 </file>
 
 <file path=ppt/notesSlides/notesSlide11.xml><?xml version="1.0" encoding="utf-8"?>
+<p:notes xmlns:a="http://schemas.openxmlformats.org/drawingml/2006/main" xmlns:r="http://schemas.openxmlformats.org/officeDocument/2006/relationships" xmlns:p="http://schemas.openxmlformats.org/presentationml/2006/main">
+  <p:cSld>
+    <p:spTree>
+      <p:nvGrpSpPr>
+        <p:cNvPr id="1" name=""/>
+        <p:cNvGrpSpPr/>
+        <p:nvPr/>
+      </p:nvGrpSpPr>
+      <p:grpSpPr>
+        <a:xfrm>
+          <a:off x="0" y="0"/>
+          <a:ext cx="0" cy="0"/>
+          <a:chOff x="0" y="0"/>
+          <a:chExt cx="0" cy="0"/>
+        </a:xfrm>
+      </p:grpSpPr>
+      <p:sp>
+        <p:nvSpPr>
+          <p:cNvPr id="2" name="幻灯片图像占位符 1"/>
+          <p:cNvSpPr>
+            <a:spLocks noGrp="1" noRot="1" noChangeAspect="1"/>
+          </p:cNvSpPr>
+          <p:nvPr>
+            <p:ph type="sldImg"/>
+          </p:nvPr>
+        </p:nvSpPr>
+        <p:spPr/>
+      </p:sp>
+      <p:sp>
+        <p:nvSpPr>
+          <p:cNvPr id="3" name="备注占位符 2"/>
+          <p:cNvSpPr>
+            <a:spLocks noGrp="1"/>
+          </p:cNvSpPr>
+          <p:nvPr>
+            <p:ph type="body" idx="1"/>
+          </p:nvPr>
+        </p:nvSpPr>
+        <p:spPr/>
+        <p:txBody>
+          <a:bodyPr/>
+          <a:lstStyle/>
+          <a:p>
+            <a:endParaRPr lang="zh-CN" altLang="en-US" dirty="0"/>
+          </a:p>
+        </p:txBody>
+      </p:sp>
+      <p:sp>
+        <p:nvSpPr>
+          <p:cNvPr id="4" name="灯片编号占位符 3"/>
+          <p:cNvSpPr>
+            <a:spLocks noGrp="1"/>
+          </p:cNvSpPr>
+          <p:nvPr>
+            <p:ph type="sldNum" sz="quarter" idx="10"/>
+          </p:nvPr>
+        </p:nvSpPr>
+        <p:spPr/>
+        <p:txBody>
+          <a:bodyPr/>
+          <a:lstStyle/>
+          <a:p>
+            <a:fld id="{2E5701FA-A99B-4EA7-BD9A-49A04217BC0C}" type="slidenum">
+              <a:rPr lang="zh-CN" altLang="en-US" smtClean="0"/>
+              <a:t>11</a:t>
+            </a:fld>
+            <a:endParaRPr lang="zh-CN" altLang="en-US"/>
+          </a:p>
+        </p:txBody>
+      </p:sp>
+    </p:spTree>
+    <p:extLst>
+      <p:ext uri="{BB962C8B-B14F-4D97-AF65-F5344CB8AC3E}">
+        <p14:creationId xmlns:p14="http://schemas.microsoft.com/office/powerpoint/2010/main" val="205038186"/>
+      </p:ext>
+    </p:extLst>
+  </p:cSld>
+  <p:clrMapOvr>
+    <a:masterClrMapping/>
+  </p:clrMapOvr>
+</p:notes>
+</file>
+
+<file path=ppt/notesSlides/notesSlide12.xml><?xml version="1.0" encoding="utf-8"?>
 <p:notes xmlns:a="http://schemas.openxmlformats.org/drawingml/2006/main" xmlns:r="http://schemas.openxmlformats.org/officeDocument/2006/relationships" xmlns:p="http://schemas.openxmlformats.org/presentationml/2006/main">
   <p:cSld>
     <p:spTree>
@@ -5264,90 +5347,6 @@
           <a:p>
             <a:fld id="{2E5701FA-A99B-4EA7-BD9A-49A04217BC0C}" type="slidenum">
               <a:rPr lang="zh-CN" altLang="en-US" smtClean="0"/>
-              <a:t>11</a:t>
-            </a:fld>
-            <a:endParaRPr lang="zh-CN" altLang="en-US"/>
-          </a:p>
-        </p:txBody>
-      </p:sp>
-    </p:spTree>
-    <p:extLst>
-      <p:ext uri="{BB962C8B-B14F-4D97-AF65-F5344CB8AC3E}">
-        <p14:creationId xmlns:p14="http://schemas.microsoft.com/office/powerpoint/2010/main" val="2781664879"/>
-      </p:ext>
-    </p:extLst>
-  </p:cSld>
-  <p:clrMapOvr>
-    <a:masterClrMapping/>
-  </p:clrMapOvr>
-</p:notes>
-</file>
-
-<file path=ppt/notesSlides/notesSlide12.xml><?xml version="1.0" encoding="utf-8"?>
-<p:notes xmlns:a="http://schemas.openxmlformats.org/drawingml/2006/main" xmlns:r="http://schemas.openxmlformats.org/officeDocument/2006/relationships" xmlns:p="http://schemas.openxmlformats.org/presentationml/2006/main">
-  <p:cSld>
-    <p:spTree>
-      <p:nvGrpSpPr>
-        <p:cNvPr id="1" name=""/>
-        <p:cNvGrpSpPr/>
-        <p:nvPr/>
-      </p:nvGrpSpPr>
-      <p:grpSpPr>
-        <a:xfrm>
-          <a:off x="0" y="0"/>
-          <a:ext cx="0" cy="0"/>
-          <a:chOff x="0" y="0"/>
-          <a:chExt cx="0" cy="0"/>
-        </a:xfrm>
-      </p:grpSpPr>
-      <p:sp>
-        <p:nvSpPr>
-          <p:cNvPr id="2" name="幻灯片图像占位符 1"/>
-          <p:cNvSpPr>
-            <a:spLocks noGrp="1" noRot="1" noChangeAspect="1"/>
-          </p:cNvSpPr>
-          <p:nvPr>
-            <p:ph type="sldImg"/>
-          </p:nvPr>
-        </p:nvSpPr>
-        <p:spPr/>
-      </p:sp>
-      <p:sp>
-        <p:nvSpPr>
-          <p:cNvPr id="3" name="备注占位符 2"/>
-          <p:cNvSpPr>
-            <a:spLocks noGrp="1"/>
-          </p:cNvSpPr>
-          <p:nvPr>
-            <p:ph type="body" idx="1"/>
-          </p:nvPr>
-        </p:nvSpPr>
-        <p:spPr/>
-        <p:txBody>
-          <a:bodyPr/>
-          <a:lstStyle/>
-          <a:p>
-            <a:endParaRPr lang="zh-CN" altLang="en-US" dirty="0"/>
-          </a:p>
-        </p:txBody>
-      </p:sp>
-      <p:sp>
-        <p:nvSpPr>
-          <p:cNvPr id="4" name="灯片编号占位符 3"/>
-          <p:cNvSpPr>
-            <a:spLocks noGrp="1"/>
-          </p:cNvSpPr>
-          <p:nvPr>
-            <p:ph type="sldNum" sz="quarter" idx="10"/>
-          </p:nvPr>
-        </p:nvSpPr>
-        <p:spPr/>
-        <p:txBody>
-          <a:bodyPr/>
-          <a:lstStyle/>
-          <a:p>
-            <a:fld id="{2E5701FA-A99B-4EA7-BD9A-49A04217BC0C}" type="slidenum">
-              <a:rPr lang="zh-CN" altLang="en-US" smtClean="0"/>
               <a:t>12</a:t>
             </a:fld>
             <a:endParaRPr lang="zh-CN" altLang="en-US"/>
@@ -5357,7 +5356,7 @@
     </p:spTree>
     <p:extLst>
       <p:ext uri="{BB962C8B-B14F-4D97-AF65-F5344CB8AC3E}">
-        <p14:creationId xmlns:p14="http://schemas.microsoft.com/office/powerpoint/2010/main" val="205038186"/>
+        <p14:creationId xmlns:p14="http://schemas.microsoft.com/office/powerpoint/2010/main" val="3557391"/>
       </p:ext>
     </p:extLst>
   </p:cSld>
@@ -5441,7 +5440,7 @@
     </p:spTree>
     <p:extLst>
       <p:ext uri="{BB962C8B-B14F-4D97-AF65-F5344CB8AC3E}">
-        <p14:creationId xmlns:p14="http://schemas.microsoft.com/office/powerpoint/2010/main" val="3557391"/>
+        <p14:creationId xmlns:p14="http://schemas.microsoft.com/office/powerpoint/2010/main" val="3420766986"/>
       </p:ext>
     </p:extLst>
   </p:cSld>
@@ -5452,6 +5451,90 @@
 </file>
 
 <file path=ppt/notesSlides/notesSlide14.xml><?xml version="1.0" encoding="utf-8"?>
+<p:notes xmlns:a="http://schemas.openxmlformats.org/drawingml/2006/main" xmlns:r="http://schemas.openxmlformats.org/officeDocument/2006/relationships" xmlns:p="http://schemas.openxmlformats.org/presentationml/2006/main">
+  <p:cSld>
+    <p:spTree>
+      <p:nvGrpSpPr>
+        <p:cNvPr id="1" name=""/>
+        <p:cNvGrpSpPr/>
+        <p:nvPr/>
+      </p:nvGrpSpPr>
+      <p:grpSpPr>
+        <a:xfrm>
+          <a:off x="0" y="0"/>
+          <a:ext cx="0" cy="0"/>
+          <a:chOff x="0" y="0"/>
+          <a:chExt cx="0" cy="0"/>
+        </a:xfrm>
+      </p:grpSpPr>
+      <p:sp>
+        <p:nvSpPr>
+          <p:cNvPr id="2" name="幻灯片图像占位符 1"/>
+          <p:cNvSpPr>
+            <a:spLocks noGrp="1" noRot="1" noChangeAspect="1"/>
+          </p:cNvSpPr>
+          <p:nvPr>
+            <p:ph type="sldImg"/>
+          </p:nvPr>
+        </p:nvSpPr>
+        <p:spPr/>
+      </p:sp>
+      <p:sp>
+        <p:nvSpPr>
+          <p:cNvPr id="3" name="备注占位符 2"/>
+          <p:cNvSpPr>
+            <a:spLocks noGrp="1"/>
+          </p:cNvSpPr>
+          <p:nvPr>
+            <p:ph type="body" idx="1"/>
+          </p:nvPr>
+        </p:nvSpPr>
+        <p:spPr/>
+        <p:txBody>
+          <a:bodyPr/>
+          <a:lstStyle/>
+          <a:p>
+            <a:endParaRPr lang="zh-CN" altLang="en-US" dirty="0"/>
+          </a:p>
+        </p:txBody>
+      </p:sp>
+      <p:sp>
+        <p:nvSpPr>
+          <p:cNvPr id="4" name="灯片编号占位符 3"/>
+          <p:cNvSpPr>
+            <a:spLocks noGrp="1"/>
+          </p:cNvSpPr>
+          <p:nvPr>
+            <p:ph type="sldNum" sz="quarter" idx="10"/>
+          </p:nvPr>
+        </p:nvSpPr>
+        <p:spPr/>
+        <p:txBody>
+          <a:bodyPr/>
+          <a:lstStyle/>
+          <a:p>
+            <a:fld id="{2E5701FA-A99B-4EA7-BD9A-49A04217BC0C}" type="slidenum">
+              <a:rPr lang="zh-CN" altLang="en-US" smtClean="0"/>
+              <a:t>14</a:t>
+            </a:fld>
+            <a:endParaRPr lang="zh-CN" altLang="en-US"/>
+          </a:p>
+        </p:txBody>
+      </p:sp>
+    </p:spTree>
+    <p:extLst>
+      <p:ext uri="{BB962C8B-B14F-4D97-AF65-F5344CB8AC3E}">
+        <p14:creationId xmlns:p14="http://schemas.microsoft.com/office/powerpoint/2010/main" val="4175468223"/>
+      </p:ext>
+    </p:extLst>
+  </p:cSld>
+  <p:clrMapOvr>
+    <a:masterClrMapping/>
+  </p:clrMapOvr>
+</p:notes>
+</file>
+
+<file path=ppt/notesSlides/notesSlide15.xml><?xml version="1.0" encoding="utf-8"?>
 <p:notes xmlns:a="http://schemas.openxmlformats.org/drawingml/2006/main" xmlns:r="http://schemas.openxmlformats.org/officeDocument/2006/relationships" xmlns:p="http://schemas.openxmlformats.org/presentationml/2006/main">
   <p:cSld>
     <p:spTree>
@@ -5516,90 +5599,6 @@
           <a:p>
             <a:fld id="{2E5701FA-A99B-4EA7-BD9A-49A04217BC0C}" type="slidenum">
               <a:rPr lang="zh-CN" altLang="en-US" smtClean="0"/>
-              <a:t>14</a:t>
-            </a:fld>
-            <a:endParaRPr lang="zh-CN" altLang="en-US"/>
-          </a:p>
-        </p:txBody>
-      </p:sp>
-    </p:spTree>
-    <p:extLst>
-      <p:ext uri="{BB962C8B-B14F-4D97-AF65-F5344CB8AC3E}">
-        <p14:creationId xmlns:p14="http://schemas.microsoft.com/office/powerpoint/2010/main" val="3420766986"/>
-      </p:ext>
-    </p:extLst>
-  </p:cSld>
-  <p:clrMapOvr>
-    <a:masterClrMapping/>
-  </p:clrMapOvr>
-</p:notes>
-</file>
-
-<file path=ppt/notesSlides/notesSlide15.xml><?xml version="1.0" encoding="utf-8"?>
-<p:notes xmlns:a="http://schemas.openxmlformats.org/drawingml/2006/main" xmlns:r="http://schemas.openxmlformats.org/officeDocument/2006/relationships" xmlns:p="http://schemas.openxmlformats.org/presentationml/2006/main">
-  <p:cSld>
-    <p:spTree>
-      <p:nvGrpSpPr>
-        <p:cNvPr id="1" name=""/>
-        <p:cNvGrpSpPr/>
-        <p:nvPr/>
-      </p:nvGrpSpPr>
-      <p:grpSpPr>
-        <a:xfrm>
-          <a:off x="0" y="0"/>
-          <a:ext cx="0" cy="0"/>
-          <a:chOff x="0" y="0"/>
-          <a:chExt cx="0" cy="0"/>
-        </a:xfrm>
-      </p:grpSpPr>
-      <p:sp>
-        <p:nvSpPr>
-          <p:cNvPr id="2" name="幻灯片图像占位符 1"/>
-          <p:cNvSpPr>
-            <a:spLocks noGrp="1" noRot="1" noChangeAspect="1"/>
-          </p:cNvSpPr>
-          <p:nvPr>
-            <p:ph type="sldImg"/>
-          </p:nvPr>
-        </p:nvSpPr>
-        <p:spPr/>
-      </p:sp>
-      <p:sp>
-        <p:nvSpPr>
-          <p:cNvPr id="3" name="备注占位符 2"/>
-          <p:cNvSpPr>
-            <a:spLocks noGrp="1"/>
-          </p:cNvSpPr>
-          <p:nvPr>
-            <p:ph type="body" idx="1"/>
-          </p:nvPr>
-        </p:nvSpPr>
-        <p:spPr/>
-        <p:txBody>
-          <a:bodyPr/>
-          <a:lstStyle/>
-          <a:p>
-            <a:endParaRPr lang="zh-CN" altLang="en-US" dirty="0"/>
-          </a:p>
-        </p:txBody>
-      </p:sp>
-      <p:sp>
-        <p:nvSpPr>
-          <p:cNvPr id="4" name="灯片编号占位符 3"/>
-          <p:cNvSpPr>
-            <a:spLocks noGrp="1"/>
-          </p:cNvSpPr>
-          <p:nvPr>
-            <p:ph type="sldNum" sz="quarter" idx="10"/>
-          </p:nvPr>
-        </p:nvSpPr>
-        <p:spPr/>
-        <p:txBody>
-          <a:bodyPr/>
-          <a:lstStyle/>
-          <a:p>
-            <a:fld id="{2E5701FA-A99B-4EA7-BD9A-49A04217BC0C}" type="slidenum">
-              <a:rPr lang="zh-CN" altLang="en-US" smtClean="0"/>
               <a:t>15</a:t>
             </a:fld>
             <a:endParaRPr lang="zh-CN" altLang="en-US"/>
@@ -5609,7 +5608,7 @@
     </p:spTree>
     <p:extLst>
       <p:ext uri="{BB962C8B-B14F-4D97-AF65-F5344CB8AC3E}">
-        <p14:creationId xmlns:p14="http://schemas.microsoft.com/office/powerpoint/2010/main" val="4175468223"/>
+        <p14:creationId xmlns:p14="http://schemas.microsoft.com/office/powerpoint/2010/main" val="2485087364"/>
       </p:ext>
     </p:extLst>
   </p:cSld>
@@ -5685,90 +5684,6 @@
             <a:fld id="{2E5701FA-A99B-4EA7-BD9A-49A04217BC0C}" type="slidenum">
               <a:rPr lang="zh-CN" altLang="en-US" smtClean="0"/>
               <a:t>16</a:t>
-            </a:fld>
-            <a:endParaRPr lang="zh-CN" altLang="en-US"/>
-          </a:p>
-        </p:txBody>
-      </p:sp>
-    </p:spTree>
-    <p:extLst>
-      <p:ext uri="{BB962C8B-B14F-4D97-AF65-F5344CB8AC3E}">
-        <p14:creationId xmlns:p14="http://schemas.microsoft.com/office/powerpoint/2010/main" val="2485087364"/>
-      </p:ext>
-    </p:extLst>
-  </p:cSld>
-  <p:clrMapOvr>
-    <a:masterClrMapping/>
-  </p:clrMapOvr>
-</p:notes>
-</file>
-
-<file path=ppt/notesSlides/notesSlide17.xml><?xml version="1.0" encoding="utf-8"?>
-<p:notes xmlns:a="http://schemas.openxmlformats.org/drawingml/2006/main" xmlns:r="http://schemas.openxmlformats.org/officeDocument/2006/relationships" xmlns:p="http://schemas.openxmlformats.org/presentationml/2006/main">
-  <p:cSld>
-    <p:spTree>
-      <p:nvGrpSpPr>
-        <p:cNvPr id="1" name=""/>
-        <p:cNvGrpSpPr/>
-        <p:nvPr/>
-      </p:nvGrpSpPr>
-      <p:grpSpPr>
-        <a:xfrm>
-          <a:off x="0" y="0"/>
-          <a:ext cx="0" cy="0"/>
-          <a:chOff x="0" y="0"/>
-          <a:chExt cx="0" cy="0"/>
-        </a:xfrm>
-      </p:grpSpPr>
-      <p:sp>
-        <p:nvSpPr>
-          <p:cNvPr id="2" name="幻灯片图像占位符 1"/>
-          <p:cNvSpPr>
-            <a:spLocks noGrp="1" noRot="1" noChangeAspect="1"/>
-          </p:cNvSpPr>
-          <p:nvPr>
-            <p:ph type="sldImg"/>
-          </p:nvPr>
-        </p:nvSpPr>
-        <p:spPr/>
-      </p:sp>
-      <p:sp>
-        <p:nvSpPr>
-          <p:cNvPr id="3" name="备注占位符 2"/>
-          <p:cNvSpPr>
-            <a:spLocks noGrp="1"/>
-          </p:cNvSpPr>
-          <p:nvPr>
-            <p:ph type="body" idx="1"/>
-          </p:nvPr>
-        </p:nvSpPr>
-        <p:spPr/>
-        <p:txBody>
-          <a:bodyPr/>
-          <a:lstStyle/>
-          <a:p>
-            <a:endParaRPr lang="zh-CN" altLang="en-US"/>
-          </a:p>
-        </p:txBody>
-      </p:sp>
-      <p:sp>
-        <p:nvSpPr>
-          <p:cNvPr id="4" name="灯片编号占位符 3"/>
-          <p:cNvSpPr>
-            <a:spLocks noGrp="1"/>
-          </p:cNvSpPr>
-          <p:nvPr>
-            <p:ph type="sldNum" sz="quarter" idx="10"/>
-          </p:nvPr>
-        </p:nvSpPr>
-        <p:spPr/>
-        <p:txBody>
-          <a:bodyPr/>
-          <a:lstStyle/>
-          <a:p>
-            <a:fld id="{2E5701FA-A99B-4EA7-BD9A-49A04217BC0C}" type="slidenum">
-              <a:rPr lang="zh-CN" altLang="en-US" smtClean="0"/>
-              <a:t>17</a:t>
             </a:fld>
             <a:endParaRPr lang="zh-CN" altLang="en-US"/>
           </a:p>
@@ -6029,7 +5944,7 @@
     </p:spTree>
     <p:extLst>
       <p:ext uri="{BB962C8B-B14F-4D97-AF65-F5344CB8AC3E}">
-        <p14:creationId xmlns:p14="http://schemas.microsoft.com/office/powerpoint/2010/main" val="2172901841"/>
+        <p14:creationId xmlns:p14="http://schemas.microsoft.com/office/powerpoint/2010/main" val="770228318"/>
       </p:ext>
     </p:extLst>
   </p:cSld>
@@ -6113,7 +6028,7 @@
     </p:spTree>
     <p:extLst>
       <p:ext uri="{BB962C8B-B14F-4D97-AF65-F5344CB8AC3E}">
-        <p14:creationId xmlns:p14="http://schemas.microsoft.com/office/powerpoint/2010/main" val="770228318"/>
+        <p14:creationId xmlns:p14="http://schemas.microsoft.com/office/powerpoint/2010/main" val="1574128712"/>
       </p:ext>
     </p:extLst>
   </p:cSld>
@@ -6197,7 +6112,7 @@
     </p:spTree>
     <p:extLst>
       <p:ext uri="{BB962C8B-B14F-4D97-AF65-F5344CB8AC3E}">
-        <p14:creationId xmlns:p14="http://schemas.microsoft.com/office/powerpoint/2010/main" val="1574128712"/>
+        <p14:creationId xmlns:p14="http://schemas.microsoft.com/office/powerpoint/2010/main" val="1429649487"/>
       </p:ext>
     </p:extLst>
   </p:cSld>
@@ -6208,6 +6123,90 @@
 </file>
 
 <file path=ppt/notesSlides/notesSlide7.xml><?xml version="1.0" encoding="utf-8"?>
+<p:notes xmlns:a="http://schemas.openxmlformats.org/drawingml/2006/main" xmlns:r="http://schemas.openxmlformats.org/officeDocument/2006/relationships" xmlns:p="http://schemas.openxmlformats.org/presentationml/2006/main">
+  <p:cSld>
+    <p:spTree>
+      <p:nvGrpSpPr>
+        <p:cNvPr id="1" name=""/>
+        <p:cNvGrpSpPr/>
+        <p:nvPr/>
+      </p:nvGrpSpPr>
+      <p:grpSpPr>
+        <a:xfrm>
+          <a:off x="0" y="0"/>
+          <a:ext cx="0" cy="0"/>
+          <a:chOff x="0" y="0"/>
+          <a:chExt cx="0" cy="0"/>
+        </a:xfrm>
+      </p:grpSpPr>
+      <p:sp>
+        <p:nvSpPr>
+          <p:cNvPr id="2" name="幻灯片图像占位符 1"/>
+          <p:cNvSpPr>
+            <a:spLocks noGrp="1" noRot="1" noChangeAspect="1"/>
+          </p:cNvSpPr>
+          <p:nvPr>
+            <p:ph type="sldImg"/>
+          </p:nvPr>
+        </p:nvSpPr>
+        <p:spPr/>
+      </p:sp>
+      <p:sp>
+        <p:nvSpPr>
+          <p:cNvPr id="3" name="备注占位符 2"/>
+          <p:cNvSpPr>
+            <a:spLocks noGrp="1"/>
+          </p:cNvSpPr>
+          <p:nvPr>
+            <p:ph type="body" idx="1"/>
+          </p:nvPr>
+        </p:nvSpPr>
+        <p:spPr/>
+        <p:txBody>
+          <a:bodyPr/>
+          <a:lstStyle/>
+          <a:p>
+            <a:endParaRPr lang="zh-CN" altLang="en-US" dirty="0"/>
+          </a:p>
+        </p:txBody>
+      </p:sp>
+      <p:sp>
+        <p:nvSpPr>
+          <p:cNvPr id="4" name="灯片编号占位符 3"/>
+          <p:cNvSpPr>
+            <a:spLocks noGrp="1"/>
+          </p:cNvSpPr>
+          <p:nvPr>
+            <p:ph type="sldNum" sz="quarter" idx="10"/>
+          </p:nvPr>
+        </p:nvSpPr>
+        <p:spPr/>
+        <p:txBody>
+          <a:bodyPr/>
+          <a:lstStyle/>
+          <a:p>
+            <a:fld id="{2E5701FA-A99B-4EA7-BD9A-49A04217BC0C}" type="slidenum">
+              <a:rPr lang="zh-CN" altLang="en-US" smtClean="0"/>
+              <a:t>7</a:t>
+            </a:fld>
+            <a:endParaRPr lang="zh-CN" altLang="en-US"/>
+          </a:p>
+        </p:txBody>
+      </p:sp>
+    </p:spTree>
+    <p:extLst>
+      <p:ext uri="{BB962C8B-B14F-4D97-AF65-F5344CB8AC3E}">
+        <p14:creationId xmlns:p14="http://schemas.microsoft.com/office/powerpoint/2010/main" val="1409257962"/>
+      </p:ext>
+    </p:extLst>
+  </p:cSld>
+  <p:clrMapOvr>
+    <a:masterClrMapping/>
+  </p:clrMapOvr>
+</p:notes>
+</file>
+
+<file path=ppt/notesSlides/notesSlide8.xml><?xml version="1.0" encoding="utf-8"?>
 <p:notes xmlns:a="http://schemas.openxmlformats.org/drawingml/2006/main" xmlns:r="http://schemas.openxmlformats.org/officeDocument/2006/relationships" xmlns:p="http://schemas.openxmlformats.org/presentationml/2006/main">
   <p:cSld>
     <p:spTree>
@@ -6272,90 +6271,6 @@
           <a:p>
             <a:fld id="{2E5701FA-A99B-4EA7-BD9A-49A04217BC0C}" type="slidenum">
               <a:rPr lang="zh-CN" altLang="en-US" smtClean="0"/>
-              <a:t>7</a:t>
-            </a:fld>
-            <a:endParaRPr lang="zh-CN" altLang="en-US"/>
-          </a:p>
-        </p:txBody>
-      </p:sp>
-    </p:spTree>
-    <p:extLst>
-      <p:ext uri="{BB962C8B-B14F-4D97-AF65-F5344CB8AC3E}">
-        <p14:creationId xmlns:p14="http://schemas.microsoft.com/office/powerpoint/2010/main" val="1429649487"/>
-      </p:ext>
-    </p:extLst>
-  </p:cSld>
-  <p:clrMapOvr>
-    <a:masterClrMapping/>
-  </p:clrMapOvr>
-</p:notes>
-</file>
-
-<file path=ppt/notesSlides/notesSlide8.xml><?xml version="1.0" encoding="utf-8"?>
-<p:notes xmlns:a="http://schemas.openxmlformats.org/drawingml/2006/main" xmlns:r="http://schemas.openxmlformats.org/officeDocument/2006/relationships" xmlns:p="http://schemas.openxmlformats.org/presentationml/2006/main">
-  <p:cSld>
-    <p:spTree>
-      <p:nvGrpSpPr>
-        <p:cNvPr id="1" name=""/>
-        <p:cNvGrpSpPr/>
-        <p:nvPr/>
-      </p:nvGrpSpPr>
-      <p:grpSpPr>
-        <a:xfrm>
-          <a:off x="0" y="0"/>
-          <a:ext cx="0" cy="0"/>
-          <a:chOff x="0" y="0"/>
-          <a:chExt cx="0" cy="0"/>
-        </a:xfrm>
-      </p:grpSpPr>
-      <p:sp>
-        <p:nvSpPr>
-          <p:cNvPr id="2" name="幻灯片图像占位符 1"/>
-          <p:cNvSpPr>
-            <a:spLocks noGrp="1" noRot="1" noChangeAspect="1"/>
-          </p:cNvSpPr>
-          <p:nvPr>
-            <p:ph type="sldImg"/>
-          </p:nvPr>
-        </p:nvSpPr>
-        <p:spPr/>
-      </p:sp>
-      <p:sp>
-        <p:nvSpPr>
-          <p:cNvPr id="3" name="备注占位符 2"/>
-          <p:cNvSpPr>
-            <a:spLocks noGrp="1"/>
-          </p:cNvSpPr>
-          <p:nvPr>
-            <p:ph type="body" idx="1"/>
-          </p:nvPr>
-        </p:nvSpPr>
-        <p:spPr/>
-        <p:txBody>
-          <a:bodyPr/>
-          <a:lstStyle/>
-          <a:p>
-            <a:endParaRPr lang="zh-CN" altLang="en-US" dirty="0"/>
-          </a:p>
-        </p:txBody>
-      </p:sp>
-      <p:sp>
-        <p:nvSpPr>
-          <p:cNvPr id="4" name="灯片编号占位符 3"/>
-          <p:cNvSpPr>
-            <a:spLocks noGrp="1"/>
-          </p:cNvSpPr>
-          <p:nvPr>
-            <p:ph type="sldNum" sz="quarter" idx="10"/>
-          </p:nvPr>
-        </p:nvSpPr>
-        <p:spPr/>
-        <p:txBody>
-          <a:bodyPr/>
-          <a:lstStyle/>
-          <a:p>
-            <a:fld id="{2E5701FA-A99B-4EA7-BD9A-49A04217BC0C}" type="slidenum">
-              <a:rPr lang="zh-CN" altLang="en-US" smtClean="0"/>
               <a:t>8</a:t>
             </a:fld>
             <a:endParaRPr lang="zh-CN" altLang="en-US"/>
@@ -6365,7 +6280,7 @@
     </p:spTree>
     <p:extLst>
       <p:ext uri="{BB962C8B-B14F-4D97-AF65-F5344CB8AC3E}">
-        <p14:creationId xmlns:p14="http://schemas.microsoft.com/office/powerpoint/2010/main" val="1409257962"/>
+        <p14:creationId xmlns:p14="http://schemas.microsoft.com/office/powerpoint/2010/main" val="1984986384"/>
       </p:ext>
     </p:extLst>
   </p:cSld>
@@ -6449,7 +6364,7 @@
     </p:spTree>
     <p:extLst>
       <p:ext uri="{BB962C8B-B14F-4D97-AF65-F5344CB8AC3E}">
-        <p14:creationId xmlns:p14="http://schemas.microsoft.com/office/powerpoint/2010/main" val="1984986384"/>
+        <p14:creationId xmlns:p14="http://schemas.microsoft.com/office/powerpoint/2010/main" val="1538175"/>
       </p:ext>
     </p:extLst>
   </p:cSld>
@@ -27107,7 +27022,7 @@
           <p:cNvPr id="3" name="图片 2">
             <a:extLst>
               <a:ext uri="{FF2B5EF4-FFF2-40B4-BE49-F238E27FC236}">
-                <a16:creationId xmlns="" xmlns:a16="http://schemas.microsoft.com/office/drawing/2014/main" id="{6AC9E401-2508-4C63-88E9-6D452F61AB26}"/>
+                <a16:creationId xmlns:a16="http://schemas.microsoft.com/office/drawing/2014/main" xmlns="" id="{6AC9E401-2508-4C63-88E9-6D452F61AB26}"/>
               </a:ext>
             </a:extLst>
           </p:cNvPr>
@@ -27143,7 +27058,7 @@
           <p:cNvPr id="4" name="PA_标题 1">
             <a:extLst>
               <a:ext uri="{FF2B5EF4-FFF2-40B4-BE49-F238E27FC236}">
-                <a16:creationId xmlns="" xmlns:a16="http://schemas.microsoft.com/office/drawing/2014/main" id="{5B5ED9DB-40C7-4CDD-9595-A3BF75E4B3AA}"/>
+                <a16:creationId xmlns:a16="http://schemas.microsoft.com/office/drawing/2014/main" xmlns="" id="{5B5ED9DB-40C7-4CDD-9595-A3BF75E4B3AA}"/>
               </a:ext>
             </a:extLst>
           </p:cNvPr>
@@ -27218,7 +27133,7 @@
           <p:cNvPr id="6" name="组合 5">
             <a:extLst>
               <a:ext uri="{FF2B5EF4-FFF2-40B4-BE49-F238E27FC236}">
-                <a16:creationId xmlns="" xmlns:a16="http://schemas.microsoft.com/office/drawing/2014/main" id="{92B805C7-4691-4045-8EFC-E919BFE50C49}"/>
+                <a16:creationId xmlns:a16="http://schemas.microsoft.com/office/drawing/2014/main" xmlns="" id="{92B805C7-4691-4045-8EFC-E919BFE50C49}"/>
               </a:ext>
             </a:extLst>
           </p:cNvPr>
@@ -27249,7 +27164,7 @@
             <p:cNvPr id="7" name="圆角矩形 486">
               <a:extLst>
                 <a:ext uri="{FF2B5EF4-FFF2-40B4-BE49-F238E27FC236}">
-                  <a16:creationId xmlns="" xmlns:a16="http://schemas.microsoft.com/office/drawing/2014/main" id="{BEE0A799-3230-4E95-96E9-AA4C4E1E21C4}"/>
+                  <a16:creationId xmlns:a16="http://schemas.microsoft.com/office/drawing/2014/main" xmlns="" id="{BEE0A799-3230-4E95-96E9-AA4C4E1E21C4}"/>
                 </a:ext>
               </a:extLst>
             </p:cNvPr>
@@ -27301,7 +27216,7 @@
             <p:cNvPr id="8" name="_16">
               <a:extLst>
                 <a:ext uri="{FF2B5EF4-FFF2-40B4-BE49-F238E27FC236}">
-                  <a16:creationId xmlns="" xmlns:a16="http://schemas.microsoft.com/office/drawing/2014/main" id="{8411361F-FE71-4A8E-90AC-3DF0FCFF646C}"/>
+                  <a16:creationId xmlns:a16="http://schemas.microsoft.com/office/drawing/2014/main" xmlns="" id="{8411361F-FE71-4A8E-90AC-3DF0FCFF646C}"/>
                 </a:ext>
               </a:extLst>
             </p:cNvPr>
@@ -27475,7 +27390,7 @@
             <p:cNvPr id="9" name="圆角矩形 488">
               <a:extLst>
                 <a:ext uri="{FF2B5EF4-FFF2-40B4-BE49-F238E27FC236}">
-                  <a16:creationId xmlns="" xmlns:a16="http://schemas.microsoft.com/office/drawing/2014/main" id="{4A72812C-BB3E-4E57-80A0-5747E06C1F30}"/>
+                  <a16:creationId xmlns:a16="http://schemas.microsoft.com/office/drawing/2014/main" xmlns="" id="{4A72812C-BB3E-4E57-80A0-5747E06C1F30}"/>
                 </a:ext>
               </a:extLst>
             </p:cNvPr>
@@ -27527,7 +27442,7 @@
             <p:cNvPr id="10" name="_16">
               <a:extLst>
                 <a:ext uri="{FF2B5EF4-FFF2-40B4-BE49-F238E27FC236}">
-                  <a16:creationId xmlns="" xmlns:a16="http://schemas.microsoft.com/office/drawing/2014/main" id="{3881FDFB-887D-4E46-A9F3-274E6B467810}"/>
+                  <a16:creationId xmlns:a16="http://schemas.microsoft.com/office/drawing/2014/main" xmlns="" id="{3881FDFB-887D-4E46-A9F3-274E6B467810}"/>
                 </a:ext>
               </a:extLst>
             </p:cNvPr>
@@ -27744,7 +27659,7 @@
           <p:cNvPr id="7" name="组合 6">
             <a:extLst>
               <a:ext uri="{FF2B5EF4-FFF2-40B4-BE49-F238E27FC236}">
-                <a16:creationId xmlns="" xmlns:a16="http://schemas.microsoft.com/office/drawing/2014/main" id="{406BDA52-52ED-4ADE-9EF9-6944A9E7F004}"/>
+                <a16:creationId xmlns:a16="http://schemas.microsoft.com/office/drawing/2014/main" xmlns="" id="{406BDA52-52ED-4ADE-9EF9-6944A9E7F004}"/>
               </a:ext>
             </a:extLst>
           </p:cNvPr>
@@ -27764,7 +27679,7 @@
             <p:cNvPr id="9" name="矩形 8">
               <a:extLst>
                 <a:ext uri="{FF2B5EF4-FFF2-40B4-BE49-F238E27FC236}">
-                  <a16:creationId xmlns="" xmlns:a16="http://schemas.microsoft.com/office/drawing/2014/main" id="{C5E7E417-34E9-4C0B-95BD-0518051D87F7}"/>
+                  <a16:creationId xmlns:a16="http://schemas.microsoft.com/office/drawing/2014/main" xmlns="" id="{C5E7E417-34E9-4C0B-95BD-0518051D87F7}"/>
                 </a:ext>
               </a:extLst>
             </p:cNvPr>
@@ -27818,7 +27733,7 @@
             <p:cNvPr id="12" name="矩形 11">
               <a:extLst>
                 <a:ext uri="{FF2B5EF4-FFF2-40B4-BE49-F238E27FC236}">
-                  <a16:creationId xmlns="" xmlns:a16="http://schemas.microsoft.com/office/drawing/2014/main" id="{B2B0D3DB-D582-4280-8859-89B39675C5E7}"/>
+                  <a16:creationId xmlns:a16="http://schemas.microsoft.com/office/drawing/2014/main" xmlns="" id="{B2B0D3DB-D582-4280-8859-89B39675C5E7}"/>
                 </a:ext>
               </a:extLst>
             </p:cNvPr>
@@ -27878,306 +27793,7 @@
             <p:cNvPr id="10" name="9">
               <a:extLst>
                 <a:ext uri="{FF2B5EF4-FFF2-40B4-BE49-F238E27FC236}">
-                  <a16:creationId xmlns="" xmlns:a16="http://schemas.microsoft.com/office/drawing/2014/main" id="{F8E6A309-480E-40F0-BC60-0723DACD1B52}"/>
-                </a:ext>
-              </a:extLst>
-            </p:cNvPr>
-            <p:cNvSpPr txBox="1"/>
-            <p:nvPr/>
-          </p:nvSpPr>
-          <p:spPr>
-            <a:xfrm>
-              <a:off x="574314" y="167637"/>
-              <a:ext cx="4162278" cy="507831"/>
-            </a:xfrm>
-            <a:prstGeom prst="rect">
-              <a:avLst/>
-            </a:prstGeom>
-            <a:noFill/>
-          </p:spPr>
-          <p:txBody>
-            <a:bodyPr wrap="square" lIns="0" tIns="0" rIns="0" bIns="0" rtlCol="0">
-              <a:spAutoFit/>
-            </a:bodyPr>
-            <a:lstStyle/>
-            <a:p>
-              <a:pPr marL="0" lvl="1"/>
-              <a:r>
-                <a:rPr lang="en-US" altLang="zh-CN" sz="3300" b="1" spc="300" dirty="0" err="1" smtClean="0">
-                  <a:solidFill>
-                    <a:schemeClr val="bg1"/>
-                  </a:solidFill>
-                  <a:latin typeface="微软雅黑" pitchFamily="34" charset="-122"/>
-                  <a:ea typeface="微软雅黑" pitchFamily="34" charset="-122"/>
-                </a:rPr>
-                <a:t>ringBuffer</a:t>
-              </a:r>
-              <a:r>
-                <a:rPr lang="zh-CN" altLang="en-US" sz="3300" b="1" spc="300" dirty="0" smtClean="0">
-                  <a:solidFill>
-                    <a:schemeClr val="bg1"/>
-                  </a:solidFill>
-                  <a:latin typeface="微软雅黑" pitchFamily="34" charset="-122"/>
-                  <a:ea typeface="微软雅黑" pitchFamily="34" charset="-122"/>
-                </a:rPr>
-                <a:t>的特点</a:t>
-              </a:r>
-              <a:endParaRPr lang="zh-CN" altLang="en-US" sz="3300" b="1" spc="300" dirty="0">
-                <a:solidFill>
-                  <a:schemeClr val="bg1"/>
-                </a:solidFill>
-                <a:latin typeface="微软雅黑" pitchFamily="34" charset="-122"/>
-                <a:ea typeface="微软雅黑" pitchFamily="34" charset="-122"/>
-              </a:endParaRPr>
-            </a:p>
-          </p:txBody>
-        </p:sp>
-      </p:grpSp>
-      <p:sp>
-        <p:nvSpPr>
-          <p:cNvPr id="6" name="TextBox 5">
-            <a:extLst>
-              <a:ext uri="{FF2B5EF4-FFF2-40B4-BE49-F238E27FC236}">
-                <a16:creationId xmlns="" xmlns:a16="http://schemas.microsoft.com/office/drawing/2014/main" id="{618E23D5-98F4-0D47-A782-87E23CB90797}"/>
-              </a:ext>
-            </a:extLst>
-          </p:cNvPr>
-          <p:cNvSpPr txBox="1"/>
-          <p:nvPr/>
-        </p:nvSpPr>
-        <p:spPr>
-          <a:xfrm>
-            <a:off x="457200" y="1344168"/>
-            <a:ext cx="10963656" cy="369332"/>
-          </a:xfrm>
-          <a:prstGeom prst="rect">
-            <a:avLst/>
-          </a:prstGeom>
-          <a:noFill/>
-        </p:spPr>
-        <p:txBody>
-          <a:bodyPr wrap="square" rtlCol="0">
-            <a:spAutoFit/>
-          </a:bodyPr>
-          <a:lstStyle/>
-          <a:p>
-            <a:r>
-              <a:rPr lang="ja-JP" altLang="en-US" dirty="0">
-                <a:latin typeface="Microsoft YaHei UI" panose="020B0503020204020204" pitchFamily="34" charset="-122"/>
-                <a:ea typeface="Microsoft YaHei UI" panose="020B0503020204020204" pitchFamily="34" charset="-122"/>
-              </a:rPr>
-              <a:t>本</a:t>
-            </a:r>
-            <a:r>
-              <a:rPr lang="ja-JP" altLang="x-none" dirty="0">
-                <a:latin typeface="Microsoft YaHei UI" panose="020B0503020204020204" pitchFamily="34" charset="-122"/>
-                <a:ea typeface="Microsoft YaHei UI" panose="020B0503020204020204" pitchFamily="34" charset="-122"/>
-              </a:rPr>
-              <a:t>机房</a:t>
-            </a:r>
-            <a:r>
-              <a:rPr lang="ja-JP" altLang="en-US" dirty="0">
-                <a:latin typeface="Microsoft YaHei UI" panose="020B0503020204020204" pitchFamily="34" charset="-122"/>
-                <a:ea typeface="Microsoft YaHei UI" panose="020B0503020204020204" pitchFamily="34" charset="-122"/>
-              </a:rPr>
-              <a:t>缓存</a:t>
-            </a:r>
-            <a:endParaRPr lang="x-none" dirty="0">
-              <a:latin typeface="Microsoft YaHei UI" panose="020B0503020204020204" pitchFamily="34" charset="-122"/>
-              <a:ea typeface="Microsoft YaHei UI" panose="020B0503020204020204" pitchFamily="34" charset="-122"/>
-            </a:endParaRPr>
-          </a:p>
-        </p:txBody>
-      </p:sp>
-    </p:spTree>
-    <p:extLst>
-      <p:ext uri="{BB962C8B-B14F-4D97-AF65-F5344CB8AC3E}">
-        <p14:creationId xmlns:p14="http://schemas.microsoft.com/office/powerpoint/2010/main" val="1001388159"/>
-      </p:ext>
-    </p:extLst>
-  </p:cSld>
-  <p:clrMapOvr>
-    <a:masterClrMapping/>
-  </p:clrMapOvr>
-  <mc:AlternateContent xmlns:mc="http://schemas.openxmlformats.org/markup-compatibility/2006" xmlns:p14="http://schemas.microsoft.com/office/powerpoint/2010/main">
-    <mc:Choice Requires="p14">
-      <p:transition spd="med" p14:dur="700">
-        <p:fade/>
-      </p:transition>
-    </mc:Choice>
-    <mc:Fallback xmlns="">
-      <p:transition spd="med">
-        <p:fade/>
-      </p:transition>
-    </mc:Fallback>
-  </mc:AlternateContent>
-  <p:timing>
-    <p:tnLst>
-      <p:par>
-        <p:cTn id="1" dur="indefinite" restart="never" nodeType="tmRoot"/>
-      </p:par>
-    </p:tnLst>
-  </p:timing>
-</p:sld>
-</file>
-
-<file path=ppt/slides/slide11.xml><?xml version="1.0" encoding="utf-8"?>
-<p:sld xmlns:a="http://schemas.openxmlformats.org/drawingml/2006/main" xmlns:r="http://schemas.openxmlformats.org/officeDocument/2006/relationships" xmlns:p="http://schemas.openxmlformats.org/presentationml/2006/main">
-  <p:cSld>
-    <p:spTree>
-      <p:nvGrpSpPr>
-        <p:cNvPr id="1" name=""/>
-        <p:cNvGrpSpPr/>
-        <p:nvPr/>
-      </p:nvGrpSpPr>
-      <p:grpSpPr>
-        <a:xfrm>
-          <a:off x="0" y="0"/>
-          <a:ext cx="0" cy="0"/>
-          <a:chOff x="0" y="0"/>
-          <a:chExt cx="0" cy="0"/>
-        </a:xfrm>
-      </p:grpSpPr>
-      <p:grpSp>
-        <p:nvGrpSpPr>
-          <p:cNvPr id="7" name="组合 6">
-            <a:extLst>
-              <a:ext uri="{FF2B5EF4-FFF2-40B4-BE49-F238E27FC236}">
-                <a16:creationId xmlns="" xmlns:a16="http://schemas.microsoft.com/office/drawing/2014/main" id="{406BDA52-52ED-4ADE-9EF9-6944A9E7F004}"/>
-              </a:ext>
-            </a:extLst>
-          </p:cNvPr>
-          <p:cNvGrpSpPr/>
-          <p:nvPr/>
-        </p:nvGrpSpPr>
-        <p:grpSpPr>
-          <a:xfrm>
-            <a:off x="0" y="0"/>
-            <a:ext cx="12192000" cy="868506"/>
-            <a:chOff x="0" y="0"/>
-            <a:chExt cx="12192000" cy="868506"/>
-          </a:xfrm>
-        </p:grpSpPr>
-        <p:sp>
-          <p:nvSpPr>
-            <p:cNvPr id="9" name="矩形 8">
-              <a:extLst>
-                <a:ext uri="{FF2B5EF4-FFF2-40B4-BE49-F238E27FC236}">
-                  <a16:creationId xmlns="" xmlns:a16="http://schemas.microsoft.com/office/drawing/2014/main" id="{C5E7E417-34E9-4C0B-95BD-0518051D87F7}"/>
-                </a:ext>
-              </a:extLst>
-            </p:cNvPr>
-            <p:cNvSpPr/>
-            <p:nvPr/>
-          </p:nvSpPr>
-          <p:spPr>
-            <a:xfrm>
-              <a:off x="0" y="0"/>
-              <a:ext cx="457200" cy="868506"/>
-            </a:xfrm>
-            <a:prstGeom prst="rect">
-              <a:avLst/>
-            </a:prstGeom>
-            <a:solidFill>
-              <a:schemeClr val="bg2">
-                <a:lumMod val="50000"/>
-              </a:schemeClr>
-            </a:solidFill>
-            <a:ln>
-              <a:noFill/>
-            </a:ln>
-          </p:spPr>
-          <p:style>
-            <a:lnRef idx="2">
-              <a:schemeClr val="accent1">
-                <a:shade val="50000"/>
-              </a:schemeClr>
-            </a:lnRef>
-            <a:fillRef idx="1">
-              <a:schemeClr val="accent1"/>
-            </a:fillRef>
-            <a:effectRef idx="0">
-              <a:schemeClr val="accent1"/>
-            </a:effectRef>
-            <a:fontRef idx="minor">
-              <a:schemeClr val="lt1"/>
-            </a:fontRef>
-          </p:style>
-          <p:txBody>
-            <a:bodyPr rtlCol="0" anchor="ctr"/>
-            <a:lstStyle/>
-            <a:p>
-              <a:pPr algn="ctr"/>
-              <a:endParaRPr lang="zh-CN" altLang="en-US" dirty="0"/>
-            </a:p>
-          </p:txBody>
-        </p:sp>
-        <p:sp>
-          <p:nvSpPr>
-            <p:cNvPr id="12" name="矩形 11">
-              <a:extLst>
-                <a:ext uri="{FF2B5EF4-FFF2-40B4-BE49-F238E27FC236}">
-                  <a16:creationId xmlns="" xmlns:a16="http://schemas.microsoft.com/office/drawing/2014/main" id="{B2B0D3DB-D582-4280-8859-89B39675C5E7}"/>
-                </a:ext>
-              </a:extLst>
-            </p:cNvPr>
-            <p:cNvSpPr/>
-            <p:nvPr/>
-          </p:nvSpPr>
-          <p:spPr>
-            <a:xfrm>
-              <a:off x="457200" y="0"/>
-              <a:ext cx="11734800" cy="868506"/>
-            </a:xfrm>
-            <a:prstGeom prst="rect">
-              <a:avLst/>
-            </a:prstGeom>
-            <a:gradFill>
-              <a:gsLst>
-                <a:gs pos="0">
-                  <a:srgbClr val="427EB4"/>
-                </a:gs>
-                <a:gs pos="100000">
-                  <a:srgbClr val="52AED7"/>
-                </a:gs>
-              </a:gsLst>
-              <a:lin ang="0" scaled="0"/>
-            </a:gradFill>
-            <a:ln>
-              <a:noFill/>
-            </a:ln>
-          </p:spPr>
-          <p:style>
-            <a:lnRef idx="2">
-              <a:schemeClr val="accent1">
-                <a:shade val="50000"/>
-              </a:schemeClr>
-            </a:lnRef>
-            <a:fillRef idx="1">
-              <a:schemeClr val="accent1"/>
-            </a:fillRef>
-            <a:effectRef idx="0">
-              <a:schemeClr val="accent1"/>
-            </a:effectRef>
-            <a:fontRef idx="minor">
-              <a:schemeClr val="lt1"/>
-            </a:fontRef>
-          </p:style>
-          <p:txBody>
-            <a:bodyPr rtlCol="0" anchor="ctr"/>
-            <a:lstStyle/>
-            <a:p>
-              <a:pPr algn="ctr"/>
-              <a:endParaRPr lang="zh-CN" altLang="en-US" dirty="0"/>
-            </a:p>
-          </p:txBody>
-        </p:sp>
-        <p:sp>
-          <p:nvSpPr>
-            <p:cNvPr id="10" name="9">
-              <a:extLst>
-                <a:ext uri="{FF2B5EF4-FFF2-40B4-BE49-F238E27FC236}">
-                  <a16:creationId xmlns="" xmlns:a16="http://schemas.microsoft.com/office/drawing/2014/main" id="{F8E6A309-480E-40F0-BC60-0723DACD1B52}"/>
+                  <a16:creationId xmlns:a16="http://schemas.microsoft.com/office/drawing/2014/main" xmlns="" id="{F8E6A309-480E-40F0-BC60-0723DACD1B52}"/>
                 </a:ext>
               </a:extLst>
             </p:cNvPr>
@@ -28247,7 +27863,7 @@
           <p:cNvPr id="2" name="Diagram 1">
             <a:extLst>
               <a:ext uri="{FF2B5EF4-FFF2-40B4-BE49-F238E27FC236}">
-                <a16:creationId xmlns="" xmlns:a16="http://schemas.microsoft.com/office/drawing/2014/main" id="{FF7AC215-F783-5F4F-8550-692F029236CD}"/>
+                <a16:creationId xmlns:a16="http://schemas.microsoft.com/office/drawing/2014/main" xmlns="" id="{FF7AC215-F783-5F4F-8550-692F029236CD}"/>
               </a:ext>
             </a:extLst>
           </p:cNvPr>
@@ -28275,7 +27891,7 @@
           <p:cNvPr id="4" name="Picture 3" descr="A picture containing clock&#10;&#10;Description automatically generated">
             <a:extLst>
               <a:ext uri="{FF2B5EF4-FFF2-40B4-BE49-F238E27FC236}">
-                <a16:creationId xmlns="" xmlns:a16="http://schemas.microsoft.com/office/drawing/2014/main" id="{5AC8AADD-5CAE-AC4D-B291-A6487D33FA46}"/>
+                <a16:creationId xmlns:a16="http://schemas.microsoft.com/office/drawing/2014/main" xmlns="" id="{5AC8AADD-5CAE-AC4D-B291-A6487D33FA46}"/>
               </a:ext>
             </a:extLst>
           </p:cNvPr>
@@ -28311,7 +27927,7 @@
           <p:cNvPr id="6" name="TextBox 5">
             <a:extLst>
               <a:ext uri="{FF2B5EF4-FFF2-40B4-BE49-F238E27FC236}">
-                <a16:creationId xmlns="" xmlns:a16="http://schemas.microsoft.com/office/drawing/2014/main" id="{618E23D5-98F4-0D47-A782-87E23CB90797}"/>
+                <a16:creationId xmlns:a16="http://schemas.microsoft.com/office/drawing/2014/main" xmlns="" id="{618E23D5-98F4-0D47-A782-87E23CB90797}"/>
               </a:ext>
             </a:extLst>
           </p:cNvPr>
@@ -28387,7 +28003,7 @@
 </p:sld>
 </file>
 
-<file path=ppt/slides/slide12.xml><?xml version="1.0" encoding="utf-8"?>
+<file path=ppt/slides/slide11.xml><?xml version="1.0" encoding="utf-8"?>
 <p:sld xmlns:a="http://schemas.openxmlformats.org/drawingml/2006/main" xmlns:r="http://schemas.openxmlformats.org/officeDocument/2006/relationships" xmlns:p="http://schemas.openxmlformats.org/presentationml/2006/main">
   <p:cSld>
     <p:spTree>
@@ -28409,7 +28025,7 @@
           <p:cNvPr id="9" name="图片 8">
             <a:extLst>
               <a:ext uri="{FF2B5EF4-FFF2-40B4-BE49-F238E27FC236}">
-                <a16:creationId xmlns="" xmlns:a16="http://schemas.microsoft.com/office/drawing/2014/main" id="{35D1BFF5-2A55-44C5-9C6A-70A849A1BC1E}"/>
+                <a16:creationId xmlns:a16="http://schemas.microsoft.com/office/drawing/2014/main" xmlns="" id="{35D1BFF5-2A55-44C5-9C6A-70A849A1BC1E}"/>
               </a:ext>
             </a:extLst>
           </p:cNvPr>
@@ -28445,7 +28061,7 @@
           <p:cNvPr id="10" name="矩形 9">
             <a:extLst>
               <a:ext uri="{FF2B5EF4-FFF2-40B4-BE49-F238E27FC236}">
-                <a16:creationId xmlns="" xmlns:a16="http://schemas.microsoft.com/office/drawing/2014/main" id="{FFD7F558-323E-41DC-B8B7-1C937E30758C}"/>
+                <a16:creationId xmlns:a16="http://schemas.microsoft.com/office/drawing/2014/main" xmlns="" id="{FFD7F558-323E-41DC-B8B7-1C937E30758C}"/>
               </a:ext>
             </a:extLst>
           </p:cNvPr>
@@ -28521,7 +28137,7 @@
           <p:cNvPr id="12" name="矩形 11">
             <a:extLst>
               <a:ext uri="{FF2B5EF4-FFF2-40B4-BE49-F238E27FC236}">
-                <a16:creationId xmlns="" xmlns:a16="http://schemas.microsoft.com/office/drawing/2014/main" id="{017ECFF1-131A-45BE-A1DE-1CDD0D0E48ED}"/>
+                <a16:creationId xmlns:a16="http://schemas.microsoft.com/office/drawing/2014/main" xmlns="" id="{017ECFF1-131A-45BE-A1DE-1CDD0D0E48ED}"/>
               </a:ext>
             </a:extLst>
           </p:cNvPr>
@@ -28606,7 +28222,7 @@
 </p:sld>
 </file>
 
-<file path=ppt/slides/slide13.xml><?xml version="1.0" encoding="utf-8"?>
+<file path=ppt/slides/slide12.xml><?xml version="1.0" encoding="utf-8"?>
 <p:sld xmlns:a="http://schemas.openxmlformats.org/drawingml/2006/main" xmlns:r="http://schemas.openxmlformats.org/officeDocument/2006/relationships" xmlns:p="http://schemas.openxmlformats.org/presentationml/2006/main">
   <p:cSld>
     <p:spTree>
@@ -28628,7 +28244,7 @@
           <p:cNvPr id="7" name="组合 6">
             <a:extLst>
               <a:ext uri="{FF2B5EF4-FFF2-40B4-BE49-F238E27FC236}">
-                <a16:creationId xmlns="" xmlns:a16="http://schemas.microsoft.com/office/drawing/2014/main" id="{406BDA52-52ED-4ADE-9EF9-6944A9E7F004}"/>
+                <a16:creationId xmlns:a16="http://schemas.microsoft.com/office/drawing/2014/main" xmlns="" id="{406BDA52-52ED-4ADE-9EF9-6944A9E7F004}"/>
               </a:ext>
             </a:extLst>
           </p:cNvPr>
@@ -28648,7 +28264,7 @@
             <p:cNvPr id="9" name="矩形 8">
               <a:extLst>
                 <a:ext uri="{FF2B5EF4-FFF2-40B4-BE49-F238E27FC236}">
-                  <a16:creationId xmlns="" xmlns:a16="http://schemas.microsoft.com/office/drawing/2014/main" id="{C5E7E417-34E9-4C0B-95BD-0518051D87F7}"/>
+                  <a16:creationId xmlns:a16="http://schemas.microsoft.com/office/drawing/2014/main" xmlns="" id="{C5E7E417-34E9-4C0B-95BD-0518051D87F7}"/>
                 </a:ext>
               </a:extLst>
             </p:cNvPr>
@@ -28702,7 +28318,7 @@
             <p:cNvPr id="12" name="矩形 11">
               <a:extLst>
                 <a:ext uri="{FF2B5EF4-FFF2-40B4-BE49-F238E27FC236}">
-                  <a16:creationId xmlns="" xmlns:a16="http://schemas.microsoft.com/office/drawing/2014/main" id="{B2B0D3DB-D582-4280-8859-89B39675C5E7}"/>
+                  <a16:creationId xmlns:a16="http://schemas.microsoft.com/office/drawing/2014/main" xmlns="" id="{B2B0D3DB-D582-4280-8859-89B39675C5E7}"/>
                 </a:ext>
               </a:extLst>
             </p:cNvPr>
@@ -28762,7 +28378,7 @@
             <p:cNvPr id="10" name="9">
               <a:extLst>
                 <a:ext uri="{FF2B5EF4-FFF2-40B4-BE49-F238E27FC236}">
-                  <a16:creationId xmlns="" xmlns:a16="http://schemas.microsoft.com/office/drawing/2014/main" id="{F8E6A309-480E-40F0-BC60-0723DACD1B52}"/>
+                  <a16:creationId xmlns:a16="http://schemas.microsoft.com/office/drawing/2014/main" xmlns="" id="{F8E6A309-480E-40F0-BC60-0723DACD1B52}"/>
                 </a:ext>
               </a:extLst>
             </p:cNvPr>
@@ -28869,7 +28485,7 @@
 </p:sld>
 </file>
 
-<file path=ppt/slides/slide14.xml><?xml version="1.0" encoding="utf-8"?>
+<file path=ppt/slides/slide13.xml><?xml version="1.0" encoding="utf-8"?>
 <p:sld xmlns:a="http://schemas.openxmlformats.org/drawingml/2006/main" xmlns:r="http://schemas.openxmlformats.org/officeDocument/2006/relationships" xmlns:p="http://schemas.openxmlformats.org/presentationml/2006/main">
   <p:cSld>
     <p:spTree>
@@ -28891,7 +28507,7 @@
           <p:cNvPr id="7" name="组合 6">
             <a:extLst>
               <a:ext uri="{FF2B5EF4-FFF2-40B4-BE49-F238E27FC236}">
-                <a16:creationId xmlns="" xmlns:a16="http://schemas.microsoft.com/office/drawing/2014/main" id="{406BDA52-52ED-4ADE-9EF9-6944A9E7F004}"/>
+                <a16:creationId xmlns:a16="http://schemas.microsoft.com/office/drawing/2014/main" xmlns="" id="{406BDA52-52ED-4ADE-9EF9-6944A9E7F004}"/>
               </a:ext>
             </a:extLst>
           </p:cNvPr>
@@ -28911,7 +28527,7 @@
             <p:cNvPr id="9" name="矩形 8">
               <a:extLst>
                 <a:ext uri="{FF2B5EF4-FFF2-40B4-BE49-F238E27FC236}">
-                  <a16:creationId xmlns="" xmlns:a16="http://schemas.microsoft.com/office/drawing/2014/main" id="{C5E7E417-34E9-4C0B-95BD-0518051D87F7}"/>
+                  <a16:creationId xmlns:a16="http://schemas.microsoft.com/office/drawing/2014/main" xmlns="" id="{C5E7E417-34E9-4C0B-95BD-0518051D87F7}"/>
                 </a:ext>
               </a:extLst>
             </p:cNvPr>
@@ -28965,7 +28581,7 @@
             <p:cNvPr id="12" name="矩形 11">
               <a:extLst>
                 <a:ext uri="{FF2B5EF4-FFF2-40B4-BE49-F238E27FC236}">
-                  <a16:creationId xmlns="" xmlns:a16="http://schemas.microsoft.com/office/drawing/2014/main" id="{B2B0D3DB-D582-4280-8859-89B39675C5E7}"/>
+                  <a16:creationId xmlns:a16="http://schemas.microsoft.com/office/drawing/2014/main" xmlns="" id="{B2B0D3DB-D582-4280-8859-89B39675C5E7}"/>
                 </a:ext>
               </a:extLst>
             </p:cNvPr>
@@ -29025,7 +28641,7 @@
             <p:cNvPr id="10" name="9">
               <a:extLst>
                 <a:ext uri="{FF2B5EF4-FFF2-40B4-BE49-F238E27FC236}">
-                  <a16:creationId xmlns="" xmlns:a16="http://schemas.microsoft.com/office/drawing/2014/main" id="{F8E6A309-480E-40F0-BC60-0723DACD1B52}"/>
+                  <a16:creationId xmlns:a16="http://schemas.microsoft.com/office/drawing/2014/main" xmlns="" id="{F8E6A309-480E-40F0-BC60-0723DACD1B52}"/>
                 </a:ext>
               </a:extLst>
             </p:cNvPr>
@@ -29134,7 +28750,7 @@
 </p:sld>
 </file>
 
-<file path=ppt/slides/slide15.xml><?xml version="1.0" encoding="utf-8"?>
+<file path=ppt/slides/slide14.xml><?xml version="1.0" encoding="utf-8"?>
 <p:sld xmlns:a="http://schemas.openxmlformats.org/drawingml/2006/main" xmlns:r="http://schemas.openxmlformats.org/officeDocument/2006/relationships" xmlns:p="http://schemas.openxmlformats.org/presentationml/2006/main">
   <p:cSld>
     <p:spTree>
@@ -29156,7 +28772,7 @@
           <p:cNvPr id="9" name="图片 8">
             <a:extLst>
               <a:ext uri="{FF2B5EF4-FFF2-40B4-BE49-F238E27FC236}">
-                <a16:creationId xmlns="" xmlns:a16="http://schemas.microsoft.com/office/drawing/2014/main" id="{35D1BFF5-2A55-44C5-9C6A-70A849A1BC1E}"/>
+                <a16:creationId xmlns:a16="http://schemas.microsoft.com/office/drawing/2014/main" xmlns="" id="{35D1BFF5-2A55-44C5-9C6A-70A849A1BC1E}"/>
               </a:ext>
             </a:extLst>
           </p:cNvPr>
@@ -29192,7 +28808,7 @@
           <p:cNvPr id="10" name="矩形 9">
             <a:extLst>
               <a:ext uri="{FF2B5EF4-FFF2-40B4-BE49-F238E27FC236}">
-                <a16:creationId xmlns="" xmlns:a16="http://schemas.microsoft.com/office/drawing/2014/main" id="{FFD7F558-323E-41DC-B8B7-1C937E30758C}"/>
+                <a16:creationId xmlns:a16="http://schemas.microsoft.com/office/drawing/2014/main" xmlns="" id="{FFD7F558-323E-41DC-B8B7-1C937E30758C}"/>
               </a:ext>
             </a:extLst>
           </p:cNvPr>
@@ -29268,7 +28884,7 @@
           <p:cNvPr id="12" name="矩形 11">
             <a:extLst>
               <a:ext uri="{FF2B5EF4-FFF2-40B4-BE49-F238E27FC236}">
-                <a16:creationId xmlns="" xmlns:a16="http://schemas.microsoft.com/office/drawing/2014/main" id="{017ECFF1-131A-45BE-A1DE-1CDD0D0E48ED}"/>
+                <a16:creationId xmlns:a16="http://schemas.microsoft.com/office/drawing/2014/main" xmlns="" id="{017ECFF1-131A-45BE-A1DE-1CDD0D0E48ED}"/>
               </a:ext>
             </a:extLst>
           </p:cNvPr>
@@ -29343,7 +28959,7 @@
 </p:sld>
 </file>
 
-<file path=ppt/slides/slide16.xml><?xml version="1.0" encoding="utf-8"?>
+<file path=ppt/slides/slide15.xml><?xml version="1.0" encoding="utf-8"?>
 <p:sld xmlns:a="http://schemas.openxmlformats.org/drawingml/2006/main" xmlns:r="http://schemas.openxmlformats.org/officeDocument/2006/relationships" xmlns:p="http://schemas.openxmlformats.org/presentationml/2006/main">
   <p:cSld>
     <p:spTree>
@@ -29365,7 +28981,7 @@
           <p:cNvPr id="9" name="图片 8">
             <a:extLst>
               <a:ext uri="{FF2B5EF4-FFF2-40B4-BE49-F238E27FC236}">
-                <a16:creationId xmlns="" xmlns:a16="http://schemas.microsoft.com/office/drawing/2014/main" id="{35D1BFF5-2A55-44C5-9C6A-70A849A1BC1E}"/>
+                <a16:creationId xmlns:a16="http://schemas.microsoft.com/office/drawing/2014/main" xmlns="" id="{35D1BFF5-2A55-44C5-9C6A-70A849A1BC1E}"/>
               </a:ext>
             </a:extLst>
           </p:cNvPr>
@@ -29401,7 +29017,7 @@
           <p:cNvPr id="12" name="矩形 11">
             <a:extLst>
               <a:ext uri="{FF2B5EF4-FFF2-40B4-BE49-F238E27FC236}">
-                <a16:creationId xmlns="" xmlns:a16="http://schemas.microsoft.com/office/drawing/2014/main" id="{017ECFF1-131A-45BE-A1DE-1CDD0D0E48ED}"/>
+                <a16:creationId xmlns:a16="http://schemas.microsoft.com/office/drawing/2014/main" xmlns="" id="{017ECFF1-131A-45BE-A1DE-1CDD0D0E48ED}"/>
               </a:ext>
             </a:extLst>
           </p:cNvPr>
@@ -29469,7 +29085,7 @@
 </p:sld>
 </file>
 
-<file path=ppt/slides/slide17.xml><?xml version="1.0" encoding="utf-8"?>
+<file path=ppt/slides/slide16.xml><?xml version="1.0" encoding="utf-8"?>
 <p:sld xmlns:a="http://schemas.openxmlformats.org/drawingml/2006/main" xmlns:r="http://schemas.openxmlformats.org/officeDocument/2006/relationships" xmlns:p="http://schemas.openxmlformats.org/presentationml/2006/main">
   <p:cSld>
     <p:spTree>
@@ -29491,7 +29107,7 @@
           <p:cNvPr id="9" name="图片 8">
             <a:extLst>
               <a:ext uri="{FF2B5EF4-FFF2-40B4-BE49-F238E27FC236}">
-                <a16:creationId xmlns="" xmlns:a16="http://schemas.microsoft.com/office/drawing/2014/main" id="{35D1BFF5-2A55-44C5-9C6A-70A849A1BC1E}"/>
+                <a16:creationId xmlns:a16="http://schemas.microsoft.com/office/drawing/2014/main" xmlns="" id="{35D1BFF5-2A55-44C5-9C6A-70A849A1BC1E}"/>
               </a:ext>
             </a:extLst>
           </p:cNvPr>
@@ -29527,7 +29143,7 @@
           <p:cNvPr id="12" name="矩形 11">
             <a:extLst>
               <a:ext uri="{FF2B5EF4-FFF2-40B4-BE49-F238E27FC236}">
-                <a16:creationId xmlns="" xmlns:a16="http://schemas.microsoft.com/office/drawing/2014/main" id="{017ECFF1-131A-45BE-A1DE-1CDD0D0E48ED}"/>
+                <a16:creationId xmlns:a16="http://schemas.microsoft.com/office/drawing/2014/main" xmlns="" id="{017ECFF1-131A-45BE-A1DE-1CDD0D0E48ED}"/>
               </a:ext>
             </a:extLst>
           </p:cNvPr>
@@ -29624,7 +29240,7 @@
           <p:cNvPr id="21" name="图片 20">
             <a:extLst>
               <a:ext uri="{FF2B5EF4-FFF2-40B4-BE49-F238E27FC236}">
-                <a16:creationId xmlns="" xmlns:a16="http://schemas.microsoft.com/office/drawing/2014/main" id="{CDF6EEB3-33C5-4AEA-9BCA-F5D095BF9EAC}"/>
+                <a16:creationId xmlns:a16="http://schemas.microsoft.com/office/drawing/2014/main" xmlns="" id="{CDF6EEB3-33C5-4AEA-9BCA-F5D095BF9EAC}"/>
               </a:ext>
             </a:extLst>
           </p:cNvPr>
@@ -29660,7 +29276,7 @@
           <p:cNvPr id="22" name="组合 21">
             <a:extLst>
               <a:ext uri="{FF2B5EF4-FFF2-40B4-BE49-F238E27FC236}">
-                <a16:creationId xmlns="" xmlns:a16="http://schemas.microsoft.com/office/drawing/2014/main" id="{C04E3EB0-5107-4218-8FB3-0A0093B3787D}"/>
+                <a16:creationId xmlns:a16="http://schemas.microsoft.com/office/drawing/2014/main" xmlns="" id="{C04E3EB0-5107-4218-8FB3-0A0093B3787D}"/>
               </a:ext>
             </a:extLst>
           </p:cNvPr>
@@ -29680,7 +29296,7 @@
             <p:cNvPr id="23" name="组合 22">
               <a:extLst>
                 <a:ext uri="{FF2B5EF4-FFF2-40B4-BE49-F238E27FC236}">
-                  <a16:creationId xmlns="" xmlns:a16="http://schemas.microsoft.com/office/drawing/2014/main" id="{E3500CF0-6489-4A76-B81C-BD31D7E19CEB}"/>
+                  <a16:creationId xmlns:a16="http://schemas.microsoft.com/office/drawing/2014/main" xmlns="" id="{E3500CF0-6489-4A76-B81C-BD31D7E19CEB}"/>
                 </a:ext>
               </a:extLst>
             </p:cNvPr>
@@ -29700,7 +29316,7 @@
               <p:cNvPr id="29" name="直接连接符 28">
                 <a:extLst>
                   <a:ext uri="{FF2B5EF4-FFF2-40B4-BE49-F238E27FC236}">
-                    <a16:creationId xmlns="" xmlns:a16="http://schemas.microsoft.com/office/drawing/2014/main" id="{8CF2F739-8E46-4542-A280-6DDD7A2249FE}"/>
+                    <a16:creationId xmlns:a16="http://schemas.microsoft.com/office/drawing/2014/main" xmlns="" id="{8CF2F739-8E46-4542-A280-6DDD7A2249FE}"/>
                   </a:ext>
                 </a:extLst>
               </p:cNvPr>
@@ -29741,7 +29357,7 @@
               <p:cNvPr id="30" name="直接连接符 29">
                 <a:extLst>
                   <a:ext uri="{FF2B5EF4-FFF2-40B4-BE49-F238E27FC236}">
-                    <a16:creationId xmlns="" xmlns:a16="http://schemas.microsoft.com/office/drawing/2014/main" id="{AC105EB4-71FB-4D47-A902-A0D4210EC526}"/>
+                    <a16:creationId xmlns:a16="http://schemas.microsoft.com/office/drawing/2014/main" xmlns="" id="{AC105EB4-71FB-4D47-A902-A0D4210EC526}"/>
                   </a:ext>
                 </a:extLst>
               </p:cNvPr>
@@ -29784,7 +29400,7 @@
               <p:cNvPr id="31" name="直接连接符 30">
                 <a:extLst>
                   <a:ext uri="{FF2B5EF4-FFF2-40B4-BE49-F238E27FC236}">
-                    <a16:creationId xmlns="" xmlns:a16="http://schemas.microsoft.com/office/drawing/2014/main" id="{9FC1D522-B60B-4674-971F-39CB5D67B1DE}"/>
+                    <a16:creationId xmlns:a16="http://schemas.microsoft.com/office/drawing/2014/main" xmlns="" id="{9FC1D522-B60B-4674-971F-39CB5D67B1DE}"/>
                   </a:ext>
                 </a:extLst>
               </p:cNvPr>
@@ -29826,7 +29442,7 @@
             <p:cNvPr id="24" name="矩形 17">
               <a:extLst>
                 <a:ext uri="{FF2B5EF4-FFF2-40B4-BE49-F238E27FC236}">
-                  <a16:creationId xmlns="" xmlns:a16="http://schemas.microsoft.com/office/drawing/2014/main" id="{774D44DE-0E39-492C-85C7-F1F97CB1FAA3}"/>
+                  <a16:creationId xmlns:a16="http://schemas.microsoft.com/office/drawing/2014/main" xmlns="" id="{774D44DE-0E39-492C-85C7-F1F97CB1FAA3}"/>
                 </a:ext>
               </a:extLst>
             </p:cNvPr>
@@ -29991,7 +29607,7 @@
             <p:cNvPr id="25" name="组合 24">
               <a:extLst>
                 <a:ext uri="{FF2B5EF4-FFF2-40B4-BE49-F238E27FC236}">
-                  <a16:creationId xmlns="" xmlns:a16="http://schemas.microsoft.com/office/drawing/2014/main" id="{D4FBDAFD-2836-42B4-A37A-C3CC6C8ED724}"/>
+                  <a16:creationId xmlns:a16="http://schemas.microsoft.com/office/drawing/2014/main" xmlns="" id="{D4FBDAFD-2836-42B4-A37A-C3CC6C8ED724}"/>
                 </a:ext>
               </a:extLst>
             </p:cNvPr>
@@ -30011,7 +29627,7 @@
               <p:cNvPr id="26" name="直接连接符 25">
                 <a:extLst>
                   <a:ext uri="{FF2B5EF4-FFF2-40B4-BE49-F238E27FC236}">
-                    <a16:creationId xmlns="" xmlns:a16="http://schemas.microsoft.com/office/drawing/2014/main" id="{1C51D927-98A6-46FB-A9FA-CBBA660D29FB}"/>
+                    <a16:creationId xmlns:a16="http://schemas.microsoft.com/office/drawing/2014/main" xmlns="" id="{1C51D927-98A6-46FB-A9FA-CBBA660D29FB}"/>
                   </a:ext>
                 </a:extLst>
               </p:cNvPr>
@@ -30052,7 +29668,7 @@
               <p:cNvPr id="27" name="直接连接符 26">
                 <a:extLst>
                   <a:ext uri="{FF2B5EF4-FFF2-40B4-BE49-F238E27FC236}">
-                    <a16:creationId xmlns="" xmlns:a16="http://schemas.microsoft.com/office/drawing/2014/main" id="{099FF804-4074-482D-AC0D-9339C67C3D20}"/>
+                    <a16:creationId xmlns:a16="http://schemas.microsoft.com/office/drawing/2014/main" xmlns="" id="{099FF804-4074-482D-AC0D-9339C67C3D20}"/>
                   </a:ext>
                 </a:extLst>
               </p:cNvPr>
@@ -30095,7 +29711,7 @@
               <p:cNvPr id="28" name="直接连接符 27">
                 <a:extLst>
                   <a:ext uri="{FF2B5EF4-FFF2-40B4-BE49-F238E27FC236}">
-                    <a16:creationId xmlns="" xmlns:a16="http://schemas.microsoft.com/office/drawing/2014/main" id="{115CBDB0-4163-44F6-9A77-7E763D7A086C}"/>
+                    <a16:creationId xmlns:a16="http://schemas.microsoft.com/office/drawing/2014/main" xmlns="" id="{115CBDB0-4163-44F6-9A77-7E763D7A086C}"/>
                   </a:ext>
                 </a:extLst>
               </p:cNvPr>
@@ -30138,7 +29754,7 @@
           <p:cNvPr id="32" name="组合 31">
             <a:extLst>
               <a:ext uri="{FF2B5EF4-FFF2-40B4-BE49-F238E27FC236}">
-                <a16:creationId xmlns="" xmlns:a16="http://schemas.microsoft.com/office/drawing/2014/main" id="{54567789-F0EA-4DF0-B33C-9B10FCA9980A}"/>
+                <a16:creationId xmlns:a16="http://schemas.microsoft.com/office/drawing/2014/main" xmlns="" id="{54567789-F0EA-4DF0-B33C-9B10FCA9980A}"/>
               </a:ext>
             </a:extLst>
           </p:cNvPr>
@@ -30158,7 +29774,7 @@
             <p:cNvPr id="33" name="Freeform 10">
               <a:extLst>
                 <a:ext uri="{FF2B5EF4-FFF2-40B4-BE49-F238E27FC236}">
-                  <a16:creationId xmlns="" xmlns:a16="http://schemas.microsoft.com/office/drawing/2014/main" id="{0F81F24C-F0A4-46C7-91CB-A8C87ED05E79}"/>
+                  <a16:creationId xmlns:a16="http://schemas.microsoft.com/office/drawing/2014/main" xmlns="" id="{0F81F24C-F0A4-46C7-91CB-A8C87ED05E79}"/>
                 </a:ext>
               </a:extLst>
             </p:cNvPr>
@@ -30295,7 +29911,7 @@
             <p:cNvPr id="34" name="Rectangle 12">
               <a:extLst>
                 <a:ext uri="{FF2B5EF4-FFF2-40B4-BE49-F238E27FC236}">
-                  <a16:creationId xmlns="" xmlns:a16="http://schemas.microsoft.com/office/drawing/2014/main" id="{5D14F1B7-B341-4323-8A1E-EC3DB5FFF046}"/>
+                  <a16:creationId xmlns:a16="http://schemas.microsoft.com/office/drawing/2014/main" xmlns="" id="{5D14F1B7-B341-4323-8A1E-EC3DB5FFF046}"/>
                 </a:ext>
               </a:extLst>
             </p:cNvPr>
@@ -30457,7 +30073,7 @@
             <p:cNvPr id="35" name="Freeform 10">
               <a:extLst>
                 <a:ext uri="{FF2B5EF4-FFF2-40B4-BE49-F238E27FC236}">
-                  <a16:creationId xmlns="" xmlns:a16="http://schemas.microsoft.com/office/drawing/2014/main" id="{B2E075BD-349D-4D7F-A7D0-DE296532B2DE}"/>
+                  <a16:creationId xmlns:a16="http://schemas.microsoft.com/office/drawing/2014/main" xmlns="" id="{B2E075BD-349D-4D7F-A7D0-DE296532B2DE}"/>
                 </a:ext>
               </a:extLst>
             </p:cNvPr>
@@ -30594,7 +30210,7 @@
             <p:cNvPr id="36" name="Rectangle 12">
               <a:extLst>
                 <a:ext uri="{FF2B5EF4-FFF2-40B4-BE49-F238E27FC236}">
-                  <a16:creationId xmlns="" xmlns:a16="http://schemas.microsoft.com/office/drawing/2014/main" id="{E849F316-AFC9-41F2-8931-9EE9C4249ABF}"/>
+                  <a16:creationId xmlns:a16="http://schemas.microsoft.com/office/drawing/2014/main" xmlns="" id="{E849F316-AFC9-41F2-8931-9EE9C4249ABF}"/>
                 </a:ext>
               </a:extLst>
             </p:cNvPr>
@@ -30756,7 +30372,7 @@
             <p:cNvPr id="37" name="Freeform 10">
               <a:extLst>
                 <a:ext uri="{FF2B5EF4-FFF2-40B4-BE49-F238E27FC236}">
-                  <a16:creationId xmlns="" xmlns:a16="http://schemas.microsoft.com/office/drawing/2014/main" id="{C322F530-02BC-420D-9B8A-53CAFE481EFD}"/>
+                  <a16:creationId xmlns:a16="http://schemas.microsoft.com/office/drawing/2014/main" xmlns="" id="{C322F530-02BC-420D-9B8A-53CAFE481EFD}"/>
                 </a:ext>
               </a:extLst>
             </p:cNvPr>
@@ -30893,7 +30509,7 @@
             <p:cNvPr id="38" name="Rectangle 12">
               <a:extLst>
                 <a:ext uri="{FF2B5EF4-FFF2-40B4-BE49-F238E27FC236}">
-                  <a16:creationId xmlns="" xmlns:a16="http://schemas.microsoft.com/office/drawing/2014/main" id="{E0D2E3E7-9CBD-47EA-A56D-4CE70AC9E4A4}"/>
+                  <a16:creationId xmlns:a16="http://schemas.microsoft.com/office/drawing/2014/main" xmlns="" id="{E0D2E3E7-9CBD-47EA-A56D-4CE70AC9E4A4}"/>
                 </a:ext>
               </a:extLst>
             </p:cNvPr>
@@ -31055,7 +30671,7 @@
             <p:cNvPr id="39" name="Freeform 10">
               <a:extLst>
                 <a:ext uri="{FF2B5EF4-FFF2-40B4-BE49-F238E27FC236}">
-                  <a16:creationId xmlns="" xmlns:a16="http://schemas.microsoft.com/office/drawing/2014/main" id="{A64897CE-E935-43B7-8ED5-0BDE6D55F26B}"/>
+                  <a16:creationId xmlns:a16="http://schemas.microsoft.com/office/drawing/2014/main" xmlns="" id="{A64897CE-E935-43B7-8ED5-0BDE6D55F26B}"/>
                 </a:ext>
               </a:extLst>
             </p:cNvPr>
@@ -31192,7 +30808,7 @@
             <p:cNvPr id="40" name="Rectangle 12">
               <a:extLst>
                 <a:ext uri="{FF2B5EF4-FFF2-40B4-BE49-F238E27FC236}">
-                  <a16:creationId xmlns="" xmlns:a16="http://schemas.microsoft.com/office/drawing/2014/main" id="{5DE06B2A-F4ED-4067-8B30-15DEC57FDE40}"/>
+                  <a16:creationId xmlns:a16="http://schemas.microsoft.com/office/drawing/2014/main" xmlns="" id="{5DE06B2A-F4ED-4067-8B30-15DEC57FDE40}"/>
                 </a:ext>
               </a:extLst>
             </p:cNvPr>
@@ -31357,7 +30973,7 @@
             <p:cNvPr id="41" name="TextBox 105">
               <a:extLst>
                 <a:ext uri="{FF2B5EF4-FFF2-40B4-BE49-F238E27FC236}">
-                  <a16:creationId xmlns="" xmlns:a16="http://schemas.microsoft.com/office/drawing/2014/main" id="{97CDABCA-D239-4E64-9D89-1E42E75BDA5E}"/>
+                  <a16:creationId xmlns:a16="http://schemas.microsoft.com/office/drawing/2014/main" xmlns="" id="{97CDABCA-D239-4E64-9D89-1E42E75BDA5E}"/>
                 </a:ext>
               </a:extLst>
             </p:cNvPr>
@@ -31540,7 +31156,7 @@
             <p:cNvPr id="42" name="TextBox 106">
               <a:extLst>
                 <a:ext uri="{FF2B5EF4-FFF2-40B4-BE49-F238E27FC236}">
-                  <a16:creationId xmlns="" xmlns:a16="http://schemas.microsoft.com/office/drawing/2014/main" id="{135A1BBE-5A58-43AC-8D40-BF1C85CABB04}"/>
+                  <a16:creationId xmlns:a16="http://schemas.microsoft.com/office/drawing/2014/main" xmlns="" id="{135A1BBE-5A58-43AC-8D40-BF1C85CABB04}"/>
                 </a:ext>
               </a:extLst>
             </p:cNvPr>
@@ -31707,7 +31323,7 @@
             <p:cNvPr id="43" name="TextBox 108">
               <a:extLst>
                 <a:ext uri="{FF2B5EF4-FFF2-40B4-BE49-F238E27FC236}">
-                  <a16:creationId xmlns="" xmlns:a16="http://schemas.microsoft.com/office/drawing/2014/main" id="{719B7857-FB0F-4A73-BCC6-46C559802A2D}"/>
+                  <a16:creationId xmlns:a16="http://schemas.microsoft.com/office/drawing/2014/main" xmlns="" id="{719B7857-FB0F-4A73-BCC6-46C559802A2D}"/>
                 </a:ext>
               </a:extLst>
             </p:cNvPr>
@@ -31878,7 +31494,7 @@
             <p:cNvPr id="44" name="TextBox 109">
               <a:extLst>
                 <a:ext uri="{FF2B5EF4-FFF2-40B4-BE49-F238E27FC236}">
-                  <a16:creationId xmlns="" xmlns:a16="http://schemas.microsoft.com/office/drawing/2014/main" id="{0023C643-8202-4787-A498-579C445F50D6}"/>
+                  <a16:creationId xmlns:a16="http://schemas.microsoft.com/office/drawing/2014/main" xmlns="" id="{0023C643-8202-4787-A498-579C445F50D6}"/>
                 </a:ext>
               </a:extLst>
             </p:cNvPr>
@@ -32045,7 +31661,7 @@
             <p:cNvPr id="45" name="TextBox 115">
               <a:extLst>
                 <a:ext uri="{FF2B5EF4-FFF2-40B4-BE49-F238E27FC236}">
-                  <a16:creationId xmlns="" xmlns:a16="http://schemas.microsoft.com/office/drawing/2014/main" id="{86D7C0C0-008F-449A-93A9-ED10BD9E3D39}"/>
+                  <a16:creationId xmlns:a16="http://schemas.microsoft.com/office/drawing/2014/main" xmlns="" id="{86D7C0C0-008F-449A-93A9-ED10BD9E3D39}"/>
                 </a:ext>
               </a:extLst>
             </p:cNvPr>
@@ -32228,7 +31844,7 @@
             <p:cNvPr id="46" name="TextBox 116">
               <a:extLst>
                 <a:ext uri="{FF2B5EF4-FFF2-40B4-BE49-F238E27FC236}">
-                  <a16:creationId xmlns="" xmlns:a16="http://schemas.microsoft.com/office/drawing/2014/main" id="{7BEA541E-AE6B-4DD4-A93B-4A645A464B0E}"/>
+                  <a16:creationId xmlns:a16="http://schemas.microsoft.com/office/drawing/2014/main" xmlns="" id="{7BEA541E-AE6B-4DD4-A93B-4A645A464B0E}"/>
                 </a:ext>
               </a:extLst>
             </p:cNvPr>
@@ -32395,7 +32011,7 @@
             <p:cNvPr id="47" name="TextBox 117">
               <a:extLst>
                 <a:ext uri="{FF2B5EF4-FFF2-40B4-BE49-F238E27FC236}">
-                  <a16:creationId xmlns="" xmlns:a16="http://schemas.microsoft.com/office/drawing/2014/main" id="{3DCE897E-E0D1-4D04-9CBF-5EDE5119F096}"/>
+                  <a16:creationId xmlns:a16="http://schemas.microsoft.com/office/drawing/2014/main" xmlns="" id="{3DCE897E-E0D1-4D04-9CBF-5EDE5119F096}"/>
                 </a:ext>
               </a:extLst>
             </p:cNvPr>
@@ -32566,7 +32182,7 @@
             <p:cNvPr id="48" name="TextBox 118">
               <a:extLst>
                 <a:ext uri="{FF2B5EF4-FFF2-40B4-BE49-F238E27FC236}">
-                  <a16:creationId xmlns="" xmlns:a16="http://schemas.microsoft.com/office/drawing/2014/main" id="{47E68451-C002-4A5A-8813-211953F1A51B}"/>
+                  <a16:creationId xmlns:a16="http://schemas.microsoft.com/office/drawing/2014/main" xmlns="" id="{47E68451-C002-4A5A-8813-211953F1A51B}"/>
                 </a:ext>
               </a:extLst>
             </p:cNvPr>
@@ -32783,7 +32399,7 @@
           <p:cNvPr id="9" name="图片 8">
             <a:extLst>
               <a:ext uri="{FF2B5EF4-FFF2-40B4-BE49-F238E27FC236}">
-                <a16:creationId xmlns="" xmlns:a16="http://schemas.microsoft.com/office/drawing/2014/main" id="{35D1BFF5-2A55-44C5-9C6A-70A849A1BC1E}"/>
+                <a16:creationId xmlns:a16="http://schemas.microsoft.com/office/drawing/2014/main" xmlns="" id="{35D1BFF5-2A55-44C5-9C6A-70A849A1BC1E}"/>
               </a:ext>
             </a:extLst>
           </p:cNvPr>
@@ -32819,7 +32435,7 @@
           <p:cNvPr id="10" name="矩形 9">
             <a:extLst>
               <a:ext uri="{FF2B5EF4-FFF2-40B4-BE49-F238E27FC236}">
-                <a16:creationId xmlns="" xmlns:a16="http://schemas.microsoft.com/office/drawing/2014/main" id="{FFD7F558-323E-41DC-B8B7-1C937E30758C}"/>
+                <a16:creationId xmlns:a16="http://schemas.microsoft.com/office/drawing/2014/main" xmlns="" id="{FFD7F558-323E-41DC-B8B7-1C937E30758C}"/>
               </a:ext>
             </a:extLst>
           </p:cNvPr>
@@ -32895,7 +32511,7 @@
           <p:cNvPr id="12" name="矩形 11">
             <a:extLst>
               <a:ext uri="{FF2B5EF4-FFF2-40B4-BE49-F238E27FC236}">
-                <a16:creationId xmlns="" xmlns:a16="http://schemas.microsoft.com/office/drawing/2014/main" id="{017ECFF1-131A-45BE-A1DE-1CDD0D0E48ED}"/>
+                <a16:creationId xmlns:a16="http://schemas.microsoft.com/office/drawing/2014/main" xmlns="" id="{017ECFF1-131A-45BE-A1DE-1CDD0D0E48ED}"/>
               </a:ext>
             </a:extLst>
           </p:cNvPr>
@@ -33002,7 +32618,7 @@
           <p:cNvPr id="7" name="组合 6">
             <a:extLst>
               <a:ext uri="{FF2B5EF4-FFF2-40B4-BE49-F238E27FC236}">
-                <a16:creationId xmlns="" xmlns:a16="http://schemas.microsoft.com/office/drawing/2014/main" id="{406BDA52-52ED-4ADE-9EF9-6944A9E7F004}"/>
+                <a16:creationId xmlns:a16="http://schemas.microsoft.com/office/drawing/2014/main" xmlns="" id="{406BDA52-52ED-4ADE-9EF9-6944A9E7F004}"/>
               </a:ext>
             </a:extLst>
           </p:cNvPr>
@@ -33022,7 +32638,7 @@
             <p:cNvPr id="9" name="矩形 8">
               <a:extLst>
                 <a:ext uri="{FF2B5EF4-FFF2-40B4-BE49-F238E27FC236}">
-                  <a16:creationId xmlns="" xmlns:a16="http://schemas.microsoft.com/office/drawing/2014/main" id="{C5E7E417-34E9-4C0B-95BD-0518051D87F7}"/>
+                  <a16:creationId xmlns:a16="http://schemas.microsoft.com/office/drawing/2014/main" xmlns="" id="{C5E7E417-34E9-4C0B-95BD-0518051D87F7}"/>
                 </a:ext>
               </a:extLst>
             </p:cNvPr>
@@ -33076,7 +32692,7 @@
             <p:cNvPr id="12" name="矩形 11">
               <a:extLst>
                 <a:ext uri="{FF2B5EF4-FFF2-40B4-BE49-F238E27FC236}">
-                  <a16:creationId xmlns="" xmlns:a16="http://schemas.microsoft.com/office/drawing/2014/main" id="{B2B0D3DB-D582-4280-8859-89B39675C5E7}"/>
+                  <a16:creationId xmlns:a16="http://schemas.microsoft.com/office/drawing/2014/main" xmlns="" id="{B2B0D3DB-D582-4280-8859-89B39675C5E7}"/>
                 </a:ext>
               </a:extLst>
             </p:cNvPr>
@@ -33136,270 +32752,7 @@
             <p:cNvPr id="10" name="9">
               <a:extLst>
                 <a:ext uri="{FF2B5EF4-FFF2-40B4-BE49-F238E27FC236}">
-                  <a16:creationId xmlns="" xmlns:a16="http://schemas.microsoft.com/office/drawing/2014/main" id="{F8E6A309-480E-40F0-BC60-0723DACD1B52}"/>
-                </a:ext>
-              </a:extLst>
-            </p:cNvPr>
-            <p:cNvSpPr txBox="1"/>
-            <p:nvPr/>
-          </p:nvSpPr>
-          <p:spPr>
-            <a:xfrm>
-              <a:off x="574314" y="167637"/>
-              <a:ext cx="3464285" cy="507831"/>
-            </a:xfrm>
-            <a:prstGeom prst="rect">
-              <a:avLst/>
-            </a:prstGeom>
-            <a:noFill/>
-          </p:spPr>
-          <p:txBody>
-            <a:bodyPr wrap="square" lIns="0" tIns="0" rIns="0" bIns="0" rtlCol="0">
-              <a:spAutoFit/>
-            </a:bodyPr>
-            <a:lstStyle/>
-            <a:p>
-              <a:pPr marL="0" lvl="1"/>
-              <a:r>
-                <a:rPr lang="zh-CN" altLang="en-US" sz="3300" b="1" spc="300" dirty="0" smtClean="0">
-                  <a:solidFill>
-                    <a:schemeClr val="bg1"/>
-                  </a:solidFill>
-                  <a:latin typeface="微软雅黑" pitchFamily="34" charset="-122"/>
-                  <a:ea typeface="微软雅黑" pitchFamily="34" charset="-122"/>
-                </a:rPr>
-                <a:t>传统的架构</a:t>
-              </a:r>
-              <a:endParaRPr lang="zh-CN" altLang="en-US" sz="3300" b="1" spc="300" dirty="0">
-                <a:solidFill>
-                  <a:schemeClr val="bg1"/>
-                </a:solidFill>
-                <a:latin typeface="微软雅黑" pitchFamily="34" charset="-122"/>
-                <a:ea typeface="微软雅黑" pitchFamily="34" charset="-122"/>
-              </a:endParaRPr>
-            </a:p>
-          </p:txBody>
-        </p:sp>
-      </p:grpSp>
-      <p:pic>
-        <p:nvPicPr>
-          <p:cNvPr id="3" name="图片 2"/>
-          <p:cNvPicPr>
-            <a:picLocks noChangeAspect="1"/>
-          </p:cNvPicPr>
-          <p:nvPr/>
-        </p:nvPicPr>
-        <p:blipFill>
-          <a:blip r:embed="rId3">
-            <a:extLst>
-              <a:ext uri="{28A0092B-C50C-407E-A947-70E740481C1C}">
-                <a14:useLocalDpi xmlns:a14="http://schemas.microsoft.com/office/drawing/2010/main" val="0"/>
-              </a:ext>
-            </a:extLst>
-          </a:blip>
-          <a:stretch>
-            <a:fillRect/>
-          </a:stretch>
-        </p:blipFill>
-        <p:spPr>
-          <a:xfrm>
-            <a:off x="4739449" y="1220343"/>
-            <a:ext cx="2584895" cy="5081038"/>
-          </a:xfrm>
-          <a:prstGeom prst="rect">
-            <a:avLst/>
-          </a:prstGeom>
-        </p:spPr>
-      </p:pic>
-    </p:spTree>
-    <p:extLst>
-      <p:ext uri="{BB962C8B-B14F-4D97-AF65-F5344CB8AC3E}">
-        <p14:creationId xmlns:p14="http://schemas.microsoft.com/office/powerpoint/2010/main" val="2438633599"/>
-      </p:ext>
-    </p:extLst>
-  </p:cSld>
-  <p:clrMapOvr>
-    <a:masterClrMapping/>
-  </p:clrMapOvr>
-  <mc:AlternateContent xmlns:mc="http://schemas.openxmlformats.org/markup-compatibility/2006" xmlns:p14="http://schemas.microsoft.com/office/powerpoint/2010/main">
-    <mc:Choice Requires="p14">
-      <p:transition spd="med" p14:dur="700">
-        <p:fade/>
-      </p:transition>
-    </mc:Choice>
-    <mc:Fallback xmlns="">
-      <p:transition spd="med">
-        <p:fade/>
-      </p:transition>
-    </mc:Fallback>
-  </mc:AlternateContent>
-  <p:timing>
-    <p:tnLst>
-      <p:par>
-        <p:cTn id="1" dur="indefinite" restart="never" nodeType="tmRoot"/>
-      </p:par>
-    </p:tnLst>
-  </p:timing>
-</p:sld>
-</file>
-
-<file path=ppt/slides/slide5.xml><?xml version="1.0" encoding="utf-8"?>
-<p:sld xmlns:a="http://schemas.openxmlformats.org/drawingml/2006/main" xmlns:r="http://schemas.openxmlformats.org/officeDocument/2006/relationships" xmlns:p="http://schemas.openxmlformats.org/presentationml/2006/main">
-  <p:cSld>
-    <p:spTree>
-      <p:nvGrpSpPr>
-        <p:cNvPr id="1" name=""/>
-        <p:cNvGrpSpPr/>
-        <p:nvPr/>
-      </p:nvGrpSpPr>
-      <p:grpSpPr>
-        <a:xfrm>
-          <a:off x="0" y="0"/>
-          <a:ext cx="0" cy="0"/>
-          <a:chOff x="0" y="0"/>
-          <a:chExt cx="0" cy="0"/>
-        </a:xfrm>
-      </p:grpSpPr>
-      <p:grpSp>
-        <p:nvGrpSpPr>
-          <p:cNvPr id="7" name="组合 6">
-            <a:extLst>
-              <a:ext uri="{FF2B5EF4-FFF2-40B4-BE49-F238E27FC236}">
-                <a16:creationId xmlns="" xmlns:a16="http://schemas.microsoft.com/office/drawing/2014/main" id="{406BDA52-52ED-4ADE-9EF9-6944A9E7F004}"/>
-              </a:ext>
-            </a:extLst>
-          </p:cNvPr>
-          <p:cNvGrpSpPr/>
-          <p:nvPr/>
-        </p:nvGrpSpPr>
-        <p:grpSpPr>
-          <a:xfrm>
-            <a:off x="0" y="0"/>
-            <a:ext cx="12192000" cy="868506"/>
-            <a:chOff x="0" y="0"/>
-            <a:chExt cx="12192000" cy="868506"/>
-          </a:xfrm>
-        </p:grpSpPr>
-        <p:sp>
-          <p:nvSpPr>
-            <p:cNvPr id="9" name="矩形 8">
-              <a:extLst>
-                <a:ext uri="{FF2B5EF4-FFF2-40B4-BE49-F238E27FC236}">
-                  <a16:creationId xmlns="" xmlns:a16="http://schemas.microsoft.com/office/drawing/2014/main" id="{C5E7E417-34E9-4C0B-95BD-0518051D87F7}"/>
-                </a:ext>
-              </a:extLst>
-            </p:cNvPr>
-            <p:cNvSpPr/>
-            <p:nvPr/>
-          </p:nvSpPr>
-          <p:spPr>
-            <a:xfrm>
-              <a:off x="0" y="0"/>
-              <a:ext cx="457200" cy="868506"/>
-            </a:xfrm>
-            <a:prstGeom prst="rect">
-              <a:avLst/>
-            </a:prstGeom>
-            <a:solidFill>
-              <a:schemeClr val="bg2">
-                <a:lumMod val="50000"/>
-              </a:schemeClr>
-            </a:solidFill>
-            <a:ln>
-              <a:noFill/>
-            </a:ln>
-          </p:spPr>
-          <p:style>
-            <a:lnRef idx="2">
-              <a:schemeClr val="accent1">
-                <a:shade val="50000"/>
-              </a:schemeClr>
-            </a:lnRef>
-            <a:fillRef idx="1">
-              <a:schemeClr val="accent1"/>
-            </a:fillRef>
-            <a:effectRef idx="0">
-              <a:schemeClr val="accent1"/>
-            </a:effectRef>
-            <a:fontRef idx="minor">
-              <a:schemeClr val="lt1"/>
-            </a:fontRef>
-          </p:style>
-          <p:txBody>
-            <a:bodyPr rtlCol="0" anchor="ctr"/>
-            <a:lstStyle/>
-            <a:p>
-              <a:pPr algn="ctr"/>
-              <a:endParaRPr lang="zh-CN" altLang="en-US" dirty="0"/>
-            </a:p>
-          </p:txBody>
-        </p:sp>
-        <p:sp>
-          <p:nvSpPr>
-            <p:cNvPr id="12" name="矩形 11">
-              <a:extLst>
-                <a:ext uri="{FF2B5EF4-FFF2-40B4-BE49-F238E27FC236}">
-                  <a16:creationId xmlns="" xmlns:a16="http://schemas.microsoft.com/office/drawing/2014/main" id="{B2B0D3DB-D582-4280-8859-89B39675C5E7}"/>
-                </a:ext>
-              </a:extLst>
-            </p:cNvPr>
-            <p:cNvSpPr/>
-            <p:nvPr/>
-          </p:nvSpPr>
-          <p:spPr>
-            <a:xfrm>
-              <a:off x="457200" y="0"/>
-              <a:ext cx="11734800" cy="868506"/>
-            </a:xfrm>
-            <a:prstGeom prst="rect">
-              <a:avLst/>
-            </a:prstGeom>
-            <a:gradFill>
-              <a:gsLst>
-                <a:gs pos="0">
-                  <a:srgbClr val="427EB4"/>
-                </a:gs>
-                <a:gs pos="100000">
-                  <a:srgbClr val="52AED7"/>
-                </a:gs>
-              </a:gsLst>
-              <a:lin ang="0" scaled="0"/>
-            </a:gradFill>
-            <a:ln>
-              <a:noFill/>
-            </a:ln>
-          </p:spPr>
-          <p:style>
-            <a:lnRef idx="2">
-              <a:schemeClr val="accent1">
-                <a:shade val="50000"/>
-              </a:schemeClr>
-            </a:lnRef>
-            <a:fillRef idx="1">
-              <a:schemeClr val="accent1"/>
-            </a:fillRef>
-            <a:effectRef idx="0">
-              <a:schemeClr val="accent1"/>
-            </a:effectRef>
-            <a:fontRef idx="minor">
-              <a:schemeClr val="lt1"/>
-            </a:fontRef>
-          </p:style>
-          <p:txBody>
-            <a:bodyPr rtlCol="0" anchor="ctr"/>
-            <a:lstStyle/>
-            <a:p>
-              <a:pPr algn="ctr"/>
-              <a:endParaRPr lang="zh-CN" altLang="en-US" dirty="0"/>
-            </a:p>
-          </p:txBody>
-        </p:sp>
-        <p:sp>
-          <p:nvSpPr>
-            <p:cNvPr id="10" name="9">
-              <a:extLst>
-                <a:ext uri="{FF2B5EF4-FFF2-40B4-BE49-F238E27FC236}">
-                  <a16:creationId xmlns="" xmlns:a16="http://schemas.microsoft.com/office/drawing/2014/main" id="{F8E6A309-480E-40F0-BC60-0723DACD1B52}"/>
+                  <a16:creationId xmlns:a16="http://schemas.microsoft.com/office/drawing/2014/main" xmlns="" id="{F8E6A309-480E-40F0-BC60-0723DACD1B52}"/>
                 </a:ext>
               </a:extLst>
             </p:cNvPr>
@@ -33516,7 +32869,7 @@
 </p:sld>
 </file>
 
-<file path=ppt/slides/slide6.xml><?xml version="1.0" encoding="utf-8"?>
+<file path=ppt/slides/slide5.xml><?xml version="1.0" encoding="utf-8"?>
 <p:sld xmlns:a="http://schemas.openxmlformats.org/drawingml/2006/main" xmlns:r="http://schemas.openxmlformats.org/officeDocument/2006/relationships" xmlns:p="http://schemas.openxmlformats.org/presentationml/2006/main">
   <p:cSld>
     <p:spTree>
@@ -33538,7 +32891,7 @@
           <p:cNvPr id="7" name="组合 6">
             <a:extLst>
               <a:ext uri="{FF2B5EF4-FFF2-40B4-BE49-F238E27FC236}">
-                <a16:creationId xmlns="" xmlns:a16="http://schemas.microsoft.com/office/drawing/2014/main" id="{406BDA52-52ED-4ADE-9EF9-6944A9E7F004}"/>
+                <a16:creationId xmlns:a16="http://schemas.microsoft.com/office/drawing/2014/main" xmlns="" id="{406BDA52-52ED-4ADE-9EF9-6944A9E7F004}"/>
               </a:ext>
             </a:extLst>
           </p:cNvPr>
@@ -33558,7 +32911,7 @@
             <p:cNvPr id="9" name="矩形 8">
               <a:extLst>
                 <a:ext uri="{FF2B5EF4-FFF2-40B4-BE49-F238E27FC236}">
-                  <a16:creationId xmlns="" xmlns:a16="http://schemas.microsoft.com/office/drawing/2014/main" id="{C5E7E417-34E9-4C0B-95BD-0518051D87F7}"/>
+                  <a16:creationId xmlns:a16="http://schemas.microsoft.com/office/drawing/2014/main" xmlns="" id="{C5E7E417-34E9-4C0B-95BD-0518051D87F7}"/>
                 </a:ext>
               </a:extLst>
             </p:cNvPr>
@@ -33612,7 +32965,7 @@
             <p:cNvPr id="12" name="矩形 11">
               <a:extLst>
                 <a:ext uri="{FF2B5EF4-FFF2-40B4-BE49-F238E27FC236}">
-                  <a16:creationId xmlns="" xmlns:a16="http://schemas.microsoft.com/office/drawing/2014/main" id="{B2B0D3DB-D582-4280-8859-89B39675C5E7}"/>
+                  <a16:creationId xmlns:a16="http://schemas.microsoft.com/office/drawing/2014/main" xmlns="" id="{B2B0D3DB-D582-4280-8859-89B39675C5E7}"/>
                 </a:ext>
               </a:extLst>
             </p:cNvPr>
@@ -33672,7 +33025,7 @@
             <p:cNvPr id="10" name="9">
               <a:extLst>
                 <a:ext uri="{FF2B5EF4-FFF2-40B4-BE49-F238E27FC236}">
-                  <a16:creationId xmlns="" xmlns:a16="http://schemas.microsoft.com/office/drawing/2014/main" id="{F8E6A309-480E-40F0-BC60-0723DACD1B52}"/>
+                  <a16:creationId xmlns:a16="http://schemas.microsoft.com/office/drawing/2014/main" xmlns="" id="{F8E6A309-480E-40F0-BC60-0723DACD1B52}"/>
                 </a:ext>
               </a:extLst>
             </p:cNvPr>
@@ -34037,7 +33390,7 @@
 </p:sld>
 </file>
 
-<file path=ppt/slides/slide7.xml><?xml version="1.0" encoding="utf-8"?>
+<file path=ppt/slides/slide6.xml><?xml version="1.0" encoding="utf-8"?>
 <p:sld xmlns:a="http://schemas.openxmlformats.org/drawingml/2006/main" xmlns:r="http://schemas.openxmlformats.org/officeDocument/2006/relationships" xmlns:p="http://schemas.openxmlformats.org/presentationml/2006/main">
   <p:cSld>
     <p:spTree>
@@ -34059,7 +33412,7 @@
           <p:cNvPr id="7" name="组合 6">
             <a:extLst>
               <a:ext uri="{FF2B5EF4-FFF2-40B4-BE49-F238E27FC236}">
-                <a16:creationId xmlns="" xmlns:a16="http://schemas.microsoft.com/office/drawing/2014/main" id="{406BDA52-52ED-4ADE-9EF9-6944A9E7F004}"/>
+                <a16:creationId xmlns:a16="http://schemas.microsoft.com/office/drawing/2014/main" xmlns="" id="{406BDA52-52ED-4ADE-9EF9-6944A9E7F004}"/>
               </a:ext>
             </a:extLst>
           </p:cNvPr>
@@ -34079,7 +33432,7 @@
             <p:cNvPr id="9" name="矩形 8">
               <a:extLst>
                 <a:ext uri="{FF2B5EF4-FFF2-40B4-BE49-F238E27FC236}">
-                  <a16:creationId xmlns="" xmlns:a16="http://schemas.microsoft.com/office/drawing/2014/main" id="{C5E7E417-34E9-4C0B-95BD-0518051D87F7}"/>
+                  <a16:creationId xmlns:a16="http://schemas.microsoft.com/office/drawing/2014/main" xmlns="" id="{C5E7E417-34E9-4C0B-95BD-0518051D87F7}"/>
                 </a:ext>
               </a:extLst>
             </p:cNvPr>
@@ -34133,7 +33486,7 @@
             <p:cNvPr id="12" name="矩形 11">
               <a:extLst>
                 <a:ext uri="{FF2B5EF4-FFF2-40B4-BE49-F238E27FC236}">
-                  <a16:creationId xmlns="" xmlns:a16="http://schemas.microsoft.com/office/drawing/2014/main" id="{B2B0D3DB-D582-4280-8859-89B39675C5E7}"/>
+                  <a16:creationId xmlns:a16="http://schemas.microsoft.com/office/drawing/2014/main" xmlns="" id="{B2B0D3DB-D582-4280-8859-89B39675C5E7}"/>
                 </a:ext>
               </a:extLst>
             </p:cNvPr>
@@ -34193,7 +33546,7 @@
             <p:cNvPr id="10" name="9">
               <a:extLst>
                 <a:ext uri="{FF2B5EF4-FFF2-40B4-BE49-F238E27FC236}">
-                  <a16:creationId xmlns="" xmlns:a16="http://schemas.microsoft.com/office/drawing/2014/main" id="{F8E6A309-480E-40F0-BC60-0723DACD1B52}"/>
+                  <a16:creationId xmlns:a16="http://schemas.microsoft.com/office/drawing/2014/main" xmlns="" id="{F8E6A309-480E-40F0-BC60-0723DACD1B52}"/>
                 </a:ext>
               </a:extLst>
             </p:cNvPr>
@@ -34270,7 +33623,7 @@
 </p:sld>
 </file>
 
-<file path=ppt/slides/slide8.xml><?xml version="1.0" encoding="utf-8"?>
+<file path=ppt/slides/slide7.xml><?xml version="1.0" encoding="utf-8"?>
 <p:sld xmlns:a="http://schemas.openxmlformats.org/drawingml/2006/main" xmlns:r="http://schemas.openxmlformats.org/officeDocument/2006/relationships" xmlns:p="http://schemas.openxmlformats.org/presentationml/2006/main">
   <p:cSld>
     <p:spTree>
@@ -34292,7 +33645,7 @@
           <p:cNvPr id="9" name="图片 8">
             <a:extLst>
               <a:ext uri="{FF2B5EF4-FFF2-40B4-BE49-F238E27FC236}">
-                <a16:creationId xmlns="" xmlns:a16="http://schemas.microsoft.com/office/drawing/2014/main" id="{35D1BFF5-2A55-44C5-9C6A-70A849A1BC1E}"/>
+                <a16:creationId xmlns:a16="http://schemas.microsoft.com/office/drawing/2014/main" xmlns="" id="{35D1BFF5-2A55-44C5-9C6A-70A849A1BC1E}"/>
               </a:ext>
             </a:extLst>
           </p:cNvPr>
@@ -34328,7 +33681,7 @@
           <p:cNvPr id="10" name="矩形 9">
             <a:extLst>
               <a:ext uri="{FF2B5EF4-FFF2-40B4-BE49-F238E27FC236}">
-                <a16:creationId xmlns="" xmlns:a16="http://schemas.microsoft.com/office/drawing/2014/main" id="{FFD7F558-323E-41DC-B8B7-1C937E30758C}"/>
+                <a16:creationId xmlns:a16="http://schemas.microsoft.com/office/drawing/2014/main" xmlns="" id="{FFD7F558-323E-41DC-B8B7-1C937E30758C}"/>
               </a:ext>
             </a:extLst>
           </p:cNvPr>
@@ -34404,7 +33757,7 @@
           <p:cNvPr id="12" name="矩形 11">
             <a:extLst>
               <a:ext uri="{FF2B5EF4-FFF2-40B4-BE49-F238E27FC236}">
-                <a16:creationId xmlns="" xmlns:a16="http://schemas.microsoft.com/office/drawing/2014/main" id="{017ECFF1-131A-45BE-A1DE-1CDD0D0E48ED}"/>
+                <a16:creationId xmlns:a16="http://schemas.microsoft.com/office/drawing/2014/main" xmlns="" id="{017ECFF1-131A-45BE-A1DE-1CDD0D0E48ED}"/>
               </a:ext>
             </a:extLst>
           </p:cNvPr>
@@ -34479,7 +33832,7 @@
 </p:sld>
 </file>
 
-<file path=ppt/slides/slide9.xml><?xml version="1.0" encoding="utf-8"?>
+<file path=ppt/slides/slide8.xml><?xml version="1.0" encoding="utf-8"?>
 <p:sld xmlns:a="http://schemas.openxmlformats.org/drawingml/2006/main" xmlns:r="http://schemas.openxmlformats.org/officeDocument/2006/relationships" xmlns:p="http://schemas.openxmlformats.org/presentationml/2006/main">
   <p:cSld>
     <p:spTree>
@@ -34501,7 +33854,7 @@
           <p:cNvPr id="7" name="组合 6">
             <a:extLst>
               <a:ext uri="{FF2B5EF4-FFF2-40B4-BE49-F238E27FC236}">
-                <a16:creationId xmlns="" xmlns:a16="http://schemas.microsoft.com/office/drawing/2014/main" id="{406BDA52-52ED-4ADE-9EF9-6944A9E7F004}"/>
+                <a16:creationId xmlns:a16="http://schemas.microsoft.com/office/drawing/2014/main" xmlns="" id="{406BDA52-52ED-4ADE-9EF9-6944A9E7F004}"/>
               </a:ext>
             </a:extLst>
           </p:cNvPr>
@@ -34521,7 +33874,7 @@
             <p:cNvPr id="9" name="矩形 8">
               <a:extLst>
                 <a:ext uri="{FF2B5EF4-FFF2-40B4-BE49-F238E27FC236}">
-                  <a16:creationId xmlns="" xmlns:a16="http://schemas.microsoft.com/office/drawing/2014/main" id="{C5E7E417-34E9-4C0B-95BD-0518051D87F7}"/>
+                  <a16:creationId xmlns:a16="http://schemas.microsoft.com/office/drawing/2014/main" xmlns="" id="{C5E7E417-34E9-4C0B-95BD-0518051D87F7}"/>
                 </a:ext>
               </a:extLst>
             </p:cNvPr>
@@ -34575,7 +33928,7 @@
             <p:cNvPr id="12" name="矩形 11">
               <a:extLst>
                 <a:ext uri="{FF2B5EF4-FFF2-40B4-BE49-F238E27FC236}">
-                  <a16:creationId xmlns="" xmlns:a16="http://schemas.microsoft.com/office/drawing/2014/main" id="{B2B0D3DB-D582-4280-8859-89B39675C5E7}"/>
+                  <a16:creationId xmlns:a16="http://schemas.microsoft.com/office/drawing/2014/main" xmlns="" id="{B2B0D3DB-D582-4280-8859-89B39675C5E7}"/>
                 </a:ext>
               </a:extLst>
             </p:cNvPr>
@@ -34635,7 +33988,7 @@
             <p:cNvPr id="10" name="9">
               <a:extLst>
                 <a:ext uri="{FF2B5EF4-FFF2-40B4-BE49-F238E27FC236}">
-                  <a16:creationId xmlns="" xmlns:a16="http://schemas.microsoft.com/office/drawing/2014/main" id="{F8E6A309-480E-40F0-BC60-0723DACD1B52}"/>
+                  <a16:creationId xmlns:a16="http://schemas.microsoft.com/office/drawing/2014/main" xmlns="" id="{F8E6A309-480E-40F0-BC60-0723DACD1B52}"/>
                 </a:ext>
               </a:extLst>
             </p:cNvPr>
@@ -34874,6 +34227,305 @@
     <p:extLst>
       <p:ext uri="{BB962C8B-B14F-4D97-AF65-F5344CB8AC3E}">
         <p14:creationId xmlns:p14="http://schemas.microsoft.com/office/powerpoint/2010/main" val="2654140462"/>
+      </p:ext>
+    </p:extLst>
+  </p:cSld>
+  <p:clrMapOvr>
+    <a:masterClrMapping/>
+  </p:clrMapOvr>
+  <mc:AlternateContent xmlns:mc="http://schemas.openxmlformats.org/markup-compatibility/2006" xmlns:p14="http://schemas.microsoft.com/office/powerpoint/2010/main">
+    <mc:Choice Requires="p14">
+      <p:transition spd="med" p14:dur="700">
+        <p:fade/>
+      </p:transition>
+    </mc:Choice>
+    <mc:Fallback xmlns="">
+      <p:transition spd="med">
+        <p:fade/>
+      </p:transition>
+    </mc:Fallback>
+  </mc:AlternateContent>
+  <p:timing>
+    <p:tnLst>
+      <p:par>
+        <p:cTn id="1" dur="indefinite" restart="never" nodeType="tmRoot"/>
+      </p:par>
+    </p:tnLst>
+  </p:timing>
+</p:sld>
+</file>
+
+<file path=ppt/slides/slide9.xml><?xml version="1.0" encoding="utf-8"?>
+<p:sld xmlns:a="http://schemas.openxmlformats.org/drawingml/2006/main" xmlns:r="http://schemas.openxmlformats.org/officeDocument/2006/relationships" xmlns:p="http://schemas.openxmlformats.org/presentationml/2006/main">
+  <p:cSld>
+    <p:spTree>
+      <p:nvGrpSpPr>
+        <p:cNvPr id="1" name=""/>
+        <p:cNvGrpSpPr/>
+        <p:nvPr/>
+      </p:nvGrpSpPr>
+      <p:grpSpPr>
+        <a:xfrm>
+          <a:off x="0" y="0"/>
+          <a:ext cx="0" cy="0"/>
+          <a:chOff x="0" y="0"/>
+          <a:chExt cx="0" cy="0"/>
+        </a:xfrm>
+      </p:grpSpPr>
+      <p:grpSp>
+        <p:nvGrpSpPr>
+          <p:cNvPr id="7" name="组合 6">
+            <a:extLst>
+              <a:ext uri="{FF2B5EF4-FFF2-40B4-BE49-F238E27FC236}">
+                <a16:creationId xmlns:a16="http://schemas.microsoft.com/office/drawing/2014/main" xmlns="" id="{406BDA52-52ED-4ADE-9EF9-6944A9E7F004}"/>
+              </a:ext>
+            </a:extLst>
+          </p:cNvPr>
+          <p:cNvGrpSpPr/>
+          <p:nvPr/>
+        </p:nvGrpSpPr>
+        <p:grpSpPr>
+          <a:xfrm>
+            <a:off x="0" y="0"/>
+            <a:ext cx="12192000" cy="868506"/>
+            <a:chOff x="0" y="0"/>
+            <a:chExt cx="12192000" cy="868506"/>
+          </a:xfrm>
+        </p:grpSpPr>
+        <p:sp>
+          <p:nvSpPr>
+            <p:cNvPr id="9" name="矩形 8">
+              <a:extLst>
+                <a:ext uri="{FF2B5EF4-FFF2-40B4-BE49-F238E27FC236}">
+                  <a16:creationId xmlns:a16="http://schemas.microsoft.com/office/drawing/2014/main" xmlns="" id="{C5E7E417-34E9-4C0B-95BD-0518051D87F7}"/>
+                </a:ext>
+              </a:extLst>
+            </p:cNvPr>
+            <p:cNvSpPr/>
+            <p:nvPr/>
+          </p:nvSpPr>
+          <p:spPr>
+            <a:xfrm>
+              <a:off x="0" y="0"/>
+              <a:ext cx="457200" cy="868506"/>
+            </a:xfrm>
+            <a:prstGeom prst="rect">
+              <a:avLst/>
+            </a:prstGeom>
+            <a:solidFill>
+              <a:schemeClr val="bg2">
+                <a:lumMod val="50000"/>
+              </a:schemeClr>
+            </a:solidFill>
+            <a:ln>
+              <a:noFill/>
+            </a:ln>
+          </p:spPr>
+          <p:style>
+            <a:lnRef idx="2">
+              <a:schemeClr val="accent1">
+                <a:shade val="50000"/>
+              </a:schemeClr>
+            </a:lnRef>
+            <a:fillRef idx="1">
+              <a:schemeClr val="accent1"/>
+            </a:fillRef>
+            <a:effectRef idx="0">
+              <a:schemeClr val="accent1"/>
+            </a:effectRef>
+            <a:fontRef idx="minor">
+              <a:schemeClr val="lt1"/>
+            </a:fontRef>
+          </p:style>
+          <p:txBody>
+            <a:bodyPr rtlCol="0" anchor="ctr"/>
+            <a:lstStyle/>
+            <a:p>
+              <a:pPr algn="ctr"/>
+              <a:endParaRPr lang="zh-CN" altLang="en-US" dirty="0"/>
+            </a:p>
+          </p:txBody>
+        </p:sp>
+        <p:sp>
+          <p:nvSpPr>
+            <p:cNvPr id="12" name="矩形 11">
+              <a:extLst>
+                <a:ext uri="{FF2B5EF4-FFF2-40B4-BE49-F238E27FC236}">
+                  <a16:creationId xmlns:a16="http://schemas.microsoft.com/office/drawing/2014/main" xmlns="" id="{B2B0D3DB-D582-4280-8859-89B39675C5E7}"/>
+                </a:ext>
+              </a:extLst>
+            </p:cNvPr>
+            <p:cNvSpPr/>
+            <p:nvPr/>
+          </p:nvSpPr>
+          <p:spPr>
+            <a:xfrm>
+              <a:off x="457200" y="0"/>
+              <a:ext cx="11734800" cy="868506"/>
+            </a:xfrm>
+            <a:prstGeom prst="rect">
+              <a:avLst/>
+            </a:prstGeom>
+            <a:gradFill>
+              <a:gsLst>
+                <a:gs pos="0">
+                  <a:srgbClr val="427EB4"/>
+                </a:gs>
+                <a:gs pos="100000">
+                  <a:srgbClr val="52AED7"/>
+                </a:gs>
+              </a:gsLst>
+              <a:lin ang="0" scaled="0"/>
+            </a:gradFill>
+            <a:ln>
+              <a:noFill/>
+            </a:ln>
+          </p:spPr>
+          <p:style>
+            <a:lnRef idx="2">
+              <a:schemeClr val="accent1">
+                <a:shade val="50000"/>
+              </a:schemeClr>
+            </a:lnRef>
+            <a:fillRef idx="1">
+              <a:schemeClr val="accent1"/>
+            </a:fillRef>
+            <a:effectRef idx="0">
+              <a:schemeClr val="accent1"/>
+            </a:effectRef>
+            <a:fontRef idx="minor">
+              <a:schemeClr val="lt1"/>
+            </a:fontRef>
+          </p:style>
+          <p:txBody>
+            <a:bodyPr rtlCol="0" anchor="ctr"/>
+            <a:lstStyle/>
+            <a:p>
+              <a:pPr algn="ctr"/>
+              <a:endParaRPr lang="zh-CN" altLang="en-US" dirty="0"/>
+            </a:p>
+          </p:txBody>
+        </p:sp>
+        <p:sp>
+          <p:nvSpPr>
+            <p:cNvPr id="10" name="9">
+              <a:extLst>
+                <a:ext uri="{FF2B5EF4-FFF2-40B4-BE49-F238E27FC236}">
+                  <a16:creationId xmlns:a16="http://schemas.microsoft.com/office/drawing/2014/main" xmlns="" id="{F8E6A309-480E-40F0-BC60-0723DACD1B52}"/>
+                </a:ext>
+              </a:extLst>
+            </p:cNvPr>
+            <p:cNvSpPr txBox="1"/>
+            <p:nvPr/>
+          </p:nvSpPr>
+          <p:spPr>
+            <a:xfrm>
+              <a:off x="574314" y="167637"/>
+              <a:ext cx="4162278" cy="507831"/>
+            </a:xfrm>
+            <a:prstGeom prst="rect">
+              <a:avLst/>
+            </a:prstGeom>
+            <a:noFill/>
+          </p:spPr>
+          <p:txBody>
+            <a:bodyPr wrap="square" lIns="0" tIns="0" rIns="0" bIns="0" rtlCol="0">
+              <a:spAutoFit/>
+            </a:bodyPr>
+            <a:lstStyle/>
+            <a:p>
+              <a:pPr marL="0" lvl="1"/>
+              <a:r>
+                <a:rPr lang="en-US" altLang="zh-CN" sz="3300" b="1" spc="300" dirty="0" err="1" smtClean="0">
+                  <a:solidFill>
+                    <a:schemeClr val="bg1"/>
+                  </a:solidFill>
+                  <a:latin typeface="微软雅黑" pitchFamily="34" charset="-122"/>
+                  <a:ea typeface="微软雅黑" pitchFamily="34" charset="-122"/>
+                </a:rPr>
+                <a:t>ringBuffer</a:t>
+              </a:r>
+              <a:r>
+                <a:rPr lang="zh-CN" altLang="en-US" sz="3300" b="1" spc="300" dirty="0" smtClean="0">
+                  <a:solidFill>
+                    <a:schemeClr val="bg1"/>
+                  </a:solidFill>
+                  <a:latin typeface="微软雅黑" pitchFamily="34" charset="-122"/>
+                  <a:ea typeface="微软雅黑" pitchFamily="34" charset="-122"/>
+                </a:rPr>
+                <a:t>的特点</a:t>
+              </a:r>
+              <a:endParaRPr lang="zh-CN" altLang="en-US" sz="3300" b="1" spc="300" dirty="0">
+                <a:solidFill>
+                  <a:schemeClr val="bg1"/>
+                </a:solidFill>
+                <a:latin typeface="微软雅黑" pitchFamily="34" charset="-122"/>
+                <a:ea typeface="微软雅黑" pitchFamily="34" charset="-122"/>
+              </a:endParaRPr>
+            </a:p>
+          </p:txBody>
+        </p:sp>
+      </p:grpSp>
+      <p:sp>
+        <p:nvSpPr>
+          <p:cNvPr id="6" name="TextBox 5">
+            <a:extLst>
+              <a:ext uri="{FF2B5EF4-FFF2-40B4-BE49-F238E27FC236}">
+                <a16:creationId xmlns:a16="http://schemas.microsoft.com/office/drawing/2014/main" xmlns="" id="{618E23D5-98F4-0D47-A782-87E23CB90797}"/>
+              </a:ext>
+            </a:extLst>
+          </p:cNvPr>
+          <p:cNvSpPr txBox="1"/>
+          <p:nvPr/>
+        </p:nvSpPr>
+        <p:spPr>
+          <a:xfrm>
+            <a:off x="457200" y="1344168"/>
+            <a:ext cx="10963656" cy="369332"/>
+          </a:xfrm>
+          <a:prstGeom prst="rect">
+            <a:avLst/>
+          </a:prstGeom>
+          <a:noFill/>
+        </p:spPr>
+        <p:txBody>
+          <a:bodyPr wrap="square" rtlCol="0">
+            <a:spAutoFit/>
+          </a:bodyPr>
+          <a:lstStyle/>
+          <a:p>
+            <a:r>
+              <a:rPr lang="ja-JP" altLang="en-US" dirty="0">
+                <a:latin typeface="Microsoft YaHei UI" panose="020B0503020204020204" pitchFamily="34" charset="-122"/>
+                <a:ea typeface="Microsoft YaHei UI" panose="020B0503020204020204" pitchFamily="34" charset="-122"/>
+              </a:rPr>
+              <a:t>本</a:t>
+            </a:r>
+            <a:r>
+              <a:rPr lang="ja-JP" altLang="x-none" dirty="0">
+                <a:latin typeface="Microsoft YaHei UI" panose="020B0503020204020204" pitchFamily="34" charset="-122"/>
+                <a:ea typeface="Microsoft YaHei UI" panose="020B0503020204020204" pitchFamily="34" charset="-122"/>
+              </a:rPr>
+              <a:t>机房</a:t>
+            </a:r>
+            <a:r>
+              <a:rPr lang="ja-JP" altLang="en-US" dirty="0">
+                <a:latin typeface="Microsoft YaHei UI" panose="020B0503020204020204" pitchFamily="34" charset="-122"/>
+                <a:ea typeface="Microsoft YaHei UI" panose="020B0503020204020204" pitchFamily="34" charset="-122"/>
+              </a:rPr>
+              <a:t>缓存</a:t>
+            </a:r>
+            <a:endParaRPr lang="x-none" dirty="0">
+              <a:latin typeface="Microsoft YaHei UI" panose="020B0503020204020204" pitchFamily="34" charset="-122"/>
+              <a:ea typeface="Microsoft YaHei UI" panose="020B0503020204020204" pitchFamily="34" charset="-122"/>
+            </a:endParaRPr>
+          </a:p>
+        </p:txBody>
+      </p:sp>
+    </p:spTree>
+    <p:extLst>
+      <p:ext uri="{BB962C8B-B14F-4D97-AF65-F5344CB8AC3E}">
+        <p14:creationId xmlns:p14="http://schemas.microsoft.com/office/powerpoint/2010/main" val="1001388159"/>
       </p:ext>
     </p:extLst>
   </p:cSld>
